--- a/doc/ppt/第二阶段/19 负载均衡 - 加权轮询.pptx
+++ b/doc/ppt/第二阶段/19 负载均衡 - 加权轮询.pptx
@@ -7,6 +7,10 @@
   <p:sldIdLst>
     <p:sldId id="256" r:id="rId2"/>
     <p:sldId id="257" r:id="rId3"/>
+    <p:sldId id="258" r:id="rId4"/>
+    <p:sldId id="261" r:id="rId5"/>
+    <p:sldId id="259" r:id="rId6"/>
+    <p:sldId id="260" r:id="rId7"/>
   </p:sldIdLst>
   <p:sldSz cx="9144000" cy="6858000" type="screen4x3"/>
   <p:notesSz cx="6858000" cy="9144000"/>
@@ -306,7 +310,7 @@
             <a:fld id="{1D8BD707-D9CF-40AE-B4C6-C98DA3205C09}" type="datetimeFigureOut">
               <a:rPr lang="en-US" smtClean="0"/>
               <a:pPr/>
-              <a:t>11/5/2021</a:t>
+              <a:t>11/10/2021</a:t>
             </a:fld>
             <a:endParaRPr lang="en-US"/>
           </a:p>
@@ -473,7 +477,7 @@
             <a:fld id="{1D8BD707-D9CF-40AE-B4C6-C98DA3205C09}" type="datetimeFigureOut">
               <a:rPr lang="en-US" smtClean="0"/>
               <a:pPr/>
-              <a:t>11/5/2021</a:t>
+              <a:t>11/10/2021</a:t>
             </a:fld>
             <a:endParaRPr lang="en-US"/>
           </a:p>
@@ -650,7 +654,7 @@
             <a:fld id="{1D8BD707-D9CF-40AE-B4C6-C98DA3205C09}" type="datetimeFigureOut">
               <a:rPr lang="en-US" smtClean="0"/>
               <a:pPr/>
-              <a:t>11/5/2021</a:t>
+              <a:t>11/10/2021</a:t>
             </a:fld>
             <a:endParaRPr lang="en-US"/>
           </a:p>
@@ -817,7 +821,7 @@
             <a:fld id="{1D8BD707-D9CF-40AE-B4C6-C98DA3205C09}" type="datetimeFigureOut">
               <a:rPr lang="en-US" smtClean="0"/>
               <a:pPr/>
-              <a:t>11/5/2021</a:t>
+              <a:t>11/10/2021</a:t>
             </a:fld>
             <a:endParaRPr lang="en-US"/>
           </a:p>
@@ -1060,7 +1064,7 @@
             <a:fld id="{1D8BD707-D9CF-40AE-B4C6-C98DA3205C09}" type="datetimeFigureOut">
               <a:rPr lang="en-US" smtClean="0"/>
               <a:pPr/>
-              <a:t>11/5/2021</a:t>
+              <a:t>11/10/2021</a:t>
             </a:fld>
             <a:endParaRPr lang="en-US"/>
           </a:p>
@@ -1345,7 +1349,7 @@
             <a:fld id="{1D8BD707-D9CF-40AE-B4C6-C98DA3205C09}" type="datetimeFigureOut">
               <a:rPr lang="en-US" smtClean="0"/>
               <a:pPr/>
-              <a:t>11/5/2021</a:t>
+              <a:t>11/10/2021</a:t>
             </a:fld>
             <a:endParaRPr lang="en-US"/>
           </a:p>
@@ -1764,7 +1768,7 @@
             <a:fld id="{1D8BD707-D9CF-40AE-B4C6-C98DA3205C09}" type="datetimeFigureOut">
               <a:rPr lang="en-US" smtClean="0"/>
               <a:pPr/>
-              <a:t>11/5/2021</a:t>
+              <a:t>11/10/2021</a:t>
             </a:fld>
             <a:endParaRPr lang="en-US"/>
           </a:p>
@@ -1879,7 +1883,7 @@
             <a:fld id="{1D8BD707-D9CF-40AE-B4C6-C98DA3205C09}" type="datetimeFigureOut">
               <a:rPr lang="en-US" smtClean="0"/>
               <a:pPr/>
-              <a:t>11/5/2021</a:t>
+              <a:t>11/10/2021</a:t>
             </a:fld>
             <a:endParaRPr lang="en-US"/>
           </a:p>
@@ -1971,7 +1975,7 @@
             <a:fld id="{1D8BD707-D9CF-40AE-B4C6-C98DA3205C09}" type="datetimeFigureOut">
               <a:rPr lang="en-US" smtClean="0"/>
               <a:pPr/>
-              <a:t>11/5/2021</a:t>
+              <a:t>11/10/2021</a:t>
             </a:fld>
             <a:endParaRPr lang="en-US"/>
           </a:p>
@@ -2245,7 +2249,7 @@
             <a:fld id="{1D8BD707-D9CF-40AE-B4C6-C98DA3205C09}" type="datetimeFigureOut">
               <a:rPr lang="en-US" smtClean="0"/>
               <a:pPr/>
-              <a:t>11/5/2021</a:t>
+              <a:t>11/10/2021</a:t>
             </a:fld>
             <a:endParaRPr lang="en-US"/>
           </a:p>
@@ -2495,7 +2499,7 @@
             <a:fld id="{1D8BD707-D9CF-40AE-B4C6-C98DA3205C09}" type="datetimeFigureOut">
               <a:rPr lang="en-US" smtClean="0"/>
               <a:pPr/>
-              <a:t>11/5/2021</a:t>
+              <a:t>11/10/2021</a:t>
             </a:fld>
             <a:endParaRPr lang="en-US"/>
           </a:p>
@@ -2705,7 +2709,7 @@
             <a:fld id="{1D8BD707-D9CF-40AE-B4C6-C98DA3205C09}" type="datetimeFigureOut">
               <a:rPr lang="en-US" smtClean="0"/>
               <a:pPr/>
-              <a:t>11/5/2021</a:t>
+              <a:t>11/10/2021</a:t>
             </a:fld>
             <a:endParaRPr lang="en-US"/>
           </a:p>
@@ -3187,6 +3191,3264 @@
 </p:sld>
 </file>
 
+<file path=ppt/slides/slide3.xml><?xml version="1.0" encoding="utf-8"?>
+<p:sld xmlns:a="http://schemas.openxmlformats.org/drawingml/2006/main" xmlns:r="http://schemas.openxmlformats.org/officeDocument/2006/relationships" xmlns:p="http://schemas.openxmlformats.org/presentationml/2006/main">
+  <p:cSld>
+    <p:spTree>
+      <p:nvGrpSpPr>
+        <p:cNvPr id="1" name=""/>
+        <p:cNvGrpSpPr/>
+        <p:nvPr/>
+      </p:nvGrpSpPr>
+      <p:grpSpPr>
+        <a:xfrm>
+          <a:off x="0" y="0"/>
+          <a:ext cx="0" cy="0"/>
+          <a:chOff x="0" y="0"/>
+          <a:chExt cx="0" cy="0"/>
+        </a:xfrm>
+      </p:grpSpPr>
+      <p:grpSp>
+        <p:nvGrpSpPr>
+          <p:cNvPr id="48" name="组合 47"/>
+          <p:cNvGrpSpPr/>
+          <p:nvPr/>
+        </p:nvGrpSpPr>
+        <p:grpSpPr>
+          <a:xfrm>
+            <a:off x="770049" y="685800"/>
+            <a:ext cx="8379317" cy="5612500"/>
+            <a:chOff x="770049" y="685800"/>
+            <a:chExt cx="8379317" cy="5612500"/>
+          </a:xfrm>
+        </p:grpSpPr>
+        <p:grpSp>
+          <p:nvGrpSpPr>
+            <p:cNvPr id="21" name="组合 20"/>
+            <p:cNvGrpSpPr/>
+            <p:nvPr/>
+          </p:nvGrpSpPr>
+          <p:grpSpPr>
+            <a:xfrm>
+              <a:off x="5948966" y="888100"/>
+              <a:ext cx="3200400" cy="5410200"/>
+              <a:chOff x="5943600" y="888100"/>
+              <a:chExt cx="3200400" cy="5410200"/>
+            </a:xfrm>
+          </p:grpSpPr>
+          <p:sp>
+            <p:nvSpPr>
+              <p:cNvPr id="8" name="圆角矩形 7"/>
+              <p:cNvSpPr/>
+              <p:nvPr/>
+            </p:nvSpPr>
+            <p:spPr>
+              <a:xfrm>
+                <a:off x="6781800" y="1905000"/>
+                <a:ext cx="1600200" cy="609600"/>
+              </a:xfrm>
+              <a:prstGeom prst="roundRect">
+                <a:avLst/>
+              </a:prstGeom>
+              <a:solidFill>
+                <a:schemeClr val="accent1"/>
+              </a:solidFill>
+            </p:spPr>
+            <p:style>
+              <a:lnRef idx="2">
+                <a:schemeClr val="accent3">
+                  <a:shade val="50000"/>
+                </a:schemeClr>
+              </a:lnRef>
+              <a:fillRef idx="1">
+                <a:schemeClr val="accent3"/>
+              </a:fillRef>
+              <a:effectRef idx="0">
+                <a:schemeClr val="accent3"/>
+              </a:effectRef>
+              <a:fontRef idx="minor">
+                <a:schemeClr val="lt1"/>
+              </a:fontRef>
+            </p:style>
+            <p:txBody>
+              <a:bodyPr rtlCol="0" anchor="ctr"/>
+              <a:lstStyle/>
+              <a:p>
+                <a:pPr algn="ctr"/>
+                <a:r>
+                  <a:rPr lang="zh-CN" altLang="en-US" dirty="0" smtClean="0"/>
+                  <a:t>服务器节点</a:t>
+                </a:r>
+                <a:r>
+                  <a:rPr lang="en-US" altLang="zh-CN" dirty="0" smtClean="0"/>
+                  <a:t>1</a:t>
+                </a:r>
+                <a:endParaRPr lang="zh-CN" altLang="en-US" dirty="0"/>
+              </a:p>
+            </p:txBody>
+          </p:sp>
+          <p:sp>
+            <p:nvSpPr>
+              <p:cNvPr id="14" name="圆角矩形 13"/>
+              <p:cNvSpPr/>
+              <p:nvPr/>
+            </p:nvSpPr>
+            <p:spPr>
+              <a:xfrm>
+                <a:off x="6781800" y="4770544"/>
+                <a:ext cx="1600200" cy="609600"/>
+              </a:xfrm>
+              <a:prstGeom prst="roundRect">
+                <a:avLst/>
+              </a:prstGeom>
+              <a:solidFill>
+                <a:schemeClr val="accent1"/>
+              </a:solidFill>
+            </p:spPr>
+            <p:style>
+              <a:lnRef idx="2">
+                <a:schemeClr val="accent3">
+                  <a:shade val="50000"/>
+                </a:schemeClr>
+              </a:lnRef>
+              <a:fillRef idx="1">
+                <a:schemeClr val="accent3"/>
+              </a:fillRef>
+              <a:effectRef idx="0">
+                <a:schemeClr val="accent3"/>
+              </a:effectRef>
+              <a:fontRef idx="minor">
+                <a:schemeClr val="lt1"/>
+              </a:fontRef>
+            </p:style>
+            <p:txBody>
+              <a:bodyPr rtlCol="0" anchor="ctr"/>
+              <a:lstStyle/>
+              <a:p>
+                <a:pPr algn="ctr"/>
+                <a:r>
+                  <a:rPr lang="zh-CN" altLang="en-US" dirty="0" smtClean="0"/>
+                  <a:t>服务器节点</a:t>
+                </a:r>
+                <a:r>
+                  <a:rPr lang="en-US" altLang="zh-CN" dirty="0"/>
+                  <a:t>3</a:t>
+                </a:r>
+                <a:endParaRPr lang="zh-CN" altLang="en-US" dirty="0"/>
+              </a:p>
+            </p:txBody>
+          </p:sp>
+          <p:sp>
+            <p:nvSpPr>
+              <p:cNvPr id="15" name="圆角矩形 14"/>
+              <p:cNvSpPr/>
+              <p:nvPr/>
+            </p:nvSpPr>
+            <p:spPr>
+              <a:xfrm>
+                <a:off x="6781800" y="3337772"/>
+                <a:ext cx="1600200" cy="609600"/>
+              </a:xfrm>
+              <a:prstGeom prst="roundRect">
+                <a:avLst/>
+              </a:prstGeom>
+              <a:solidFill>
+                <a:schemeClr val="accent1"/>
+              </a:solidFill>
+            </p:spPr>
+            <p:style>
+              <a:lnRef idx="2">
+                <a:schemeClr val="accent3">
+                  <a:shade val="50000"/>
+                </a:schemeClr>
+              </a:lnRef>
+              <a:fillRef idx="1">
+                <a:schemeClr val="accent3"/>
+              </a:fillRef>
+              <a:effectRef idx="0">
+                <a:schemeClr val="accent3"/>
+              </a:effectRef>
+              <a:fontRef idx="minor">
+                <a:schemeClr val="lt1"/>
+              </a:fontRef>
+            </p:style>
+            <p:txBody>
+              <a:bodyPr rtlCol="0" anchor="ctr"/>
+              <a:lstStyle/>
+              <a:p>
+                <a:pPr algn="ctr"/>
+                <a:r>
+                  <a:rPr lang="zh-CN" altLang="en-US" dirty="0" smtClean="0"/>
+                  <a:t>服务器节点</a:t>
+                </a:r>
+                <a:r>
+                  <a:rPr lang="en-US" altLang="zh-CN" dirty="0"/>
+                  <a:t>2</a:t>
+                </a:r>
+                <a:endParaRPr lang="zh-CN" altLang="en-US" dirty="0"/>
+              </a:p>
+            </p:txBody>
+          </p:sp>
+          <p:sp>
+            <p:nvSpPr>
+              <p:cNvPr id="16" name="圆角矩形 15"/>
+              <p:cNvSpPr/>
+              <p:nvPr/>
+            </p:nvSpPr>
+            <p:spPr>
+              <a:xfrm>
+                <a:off x="5943600" y="888100"/>
+                <a:ext cx="3200400" cy="5410200"/>
+              </a:xfrm>
+              <a:prstGeom prst="roundRect">
+                <a:avLst/>
+              </a:prstGeom>
+              <a:solidFill>
+                <a:srgbClr val="1CF0BE">
+                  <a:alpha val="10196"/>
+                </a:srgbClr>
+              </a:solidFill>
+              <a:ln>
+                <a:noFill/>
+              </a:ln>
+            </p:spPr>
+            <p:style>
+              <a:lnRef idx="2">
+                <a:schemeClr val="accent1">
+                  <a:shade val="50000"/>
+                </a:schemeClr>
+              </a:lnRef>
+              <a:fillRef idx="1">
+                <a:schemeClr val="accent1"/>
+              </a:fillRef>
+              <a:effectRef idx="0">
+                <a:schemeClr val="accent1"/>
+              </a:effectRef>
+              <a:fontRef idx="minor">
+                <a:schemeClr val="lt1"/>
+              </a:fontRef>
+            </p:style>
+            <p:txBody>
+              <a:bodyPr rtlCol="0" anchor="ctr"/>
+              <a:lstStyle/>
+              <a:p>
+                <a:pPr algn="ctr"/>
+                <a:endParaRPr lang="zh-CN" altLang="en-US" dirty="0"/>
+              </a:p>
+            </p:txBody>
+          </p:sp>
+        </p:grpSp>
+        <p:grpSp>
+          <p:nvGrpSpPr>
+            <p:cNvPr id="47" name="组合 46"/>
+            <p:cNvGrpSpPr/>
+            <p:nvPr/>
+          </p:nvGrpSpPr>
+          <p:grpSpPr>
+            <a:xfrm>
+              <a:off x="770049" y="685800"/>
+              <a:ext cx="4114800" cy="4976610"/>
+              <a:chOff x="770049" y="685800"/>
+              <a:chExt cx="4114800" cy="4976610"/>
+            </a:xfrm>
+          </p:grpSpPr>
+          <p:cxnSp>
+            <p:nvCxnSpPr>
+              <p:cNvPr id="18" name="直接箭头连接符 17"/>
+              <p:cNvCxnSpPr/>
+              <p:nvPr/>
+            </p:nvCxnSpPr>
+            <p:spPr>
+              <a:xfrm>
+                <a:off x="2286000" y="685800"/>
+                <a:ext cx="914400" cy="914400"/>
+              </a:xfrm>
+              <a:prstGeom prst="straightConnector1">
+                <a:avLst/>
+              </a:prstGeom>
+              <a:ln w="19050">
+                <a:solidFill>
+                  <a:srgbClr val="FFFFFF"/>
+                </a:solidFill>
+                <a:tailEnd type="triangle"/>
+              </a:ln>
+            </p:spPr>
+            <p:style>
+              <a:lnRef idx="1">
+                <a:schemeClr val="accent1"/>
+              </a:lnRef>
+              <a:fillRef idx="0">
+                <a:schemeClr val="accent1"/>
+              </a:fillRef>
+              <a:effectRef idx="0">
+                <a:schemeClr val="accent1"/>
+              </a:effectRef>
+              <a:fontRef idx="minor">
+                <a:schemeClr val="tx1"/>
+              </a:fontRef>
+            </p:style>
+          </p:cxnSp>
+          <p:grpSp>
+            <p:nvGrpSpPr>
+              <p:cNvPr id="44" name="组合 43"/>
+              <p:cNvGrpSpPr/>
+              <p:nvPr/>
+            </p:nvGrpSpPr>
+            <p:grpSpPr>
+              <a:xfrm>
+                <a:off x="770049" y="1143000"/>
+                <a:ext cx="4114800" cy="4519410"/>
+                <a:chOff x="762000" y="1295400"/>
+                <a:chExt cx="4114800" cy="4519410"/>
+              </a:xfrm>
+            </p:grpSpPr>
+            <p:sp>
+              <p:nvSpPr>
+                <p:cNvPr id="2" name="圆角矩形 1"/>
+                <p:cNvSpPr/>
+                <p:nvPr/>
+              </p:nvSpPr>
+              <p:spPr>
+                <a:xfrm>
+                  <a:off x="762000" y="1295400"/>
+                  <a:ext cx="990600" cy="609600"/>
+                </a:xfrm>
+                <a:prstGeom prst="roundRect">
+                  <a:avLst/>
+                </a:prstGeom>
+              </p:spPr>
+              <p:style>
+                <a:lnRef idx="2">
+                  <a:schemeClr val="accent3">
+                    <a:shade val="50000"/>
+                  </a:schemeClr>
+                </a:lnRef>
+                <a:fillRef idx="1">
+                  <a:schemeClr val="accent3"/>
+                </a:fillRef>
+                <a:effectRef idx="0">
+                  <a:schemeClr val="accent3"/>
+                </a:effectRef>
+                <a:fontRef idx="minor">
+                  <a:schemeClr val="lt1"/>
+                </a:fontRef>
+              </p:style>
+              <p:txBody>
+                <a:bodyPr rtlCol="0" anchor="ctr"/>
+                <a:lstStyle/>
+                <a:p>
+                  <a:pPr algn="ctr"/>
+                  <a:r>
+                    <a:rPr lang="zh-CN" altLang="en-US" dirty="0" smtClean="0"/>
+                    <a:t>请求</a:t>
+                  </a:r>
+                  <a:endParaRPr lang="zh-CN" altLang="en-US" dirty="0"/>
+                </a:p>
+              </p:txBody>
+            </p:sp>
+            <p:sp>
+              <p:nvSpPr>
+                <p:cNvPr id="3" name="圆角矩形 2"/>
+                <p:cNvSpPr/>
+                <p:nvPr/>
+              </p:nvSpPr>
+              <p:spPr>
+                <a:xfrm>
+                  <a:off x="762000" y="4271491"/>
+                  <a:ext cx="990600" cy="609600"/>
+                </a:xfrm>
+                <a:prstGeom prst="roundRect">
+                  <a:avLst/>
+                </a:prstGeom>
+              </p:spPr>
+              <p:style>
+                <a:lnRef idx="2">
+                  <a:schemeClr val="accent3">
+                    <a:shade val="50000"/>
+                  </a:schemeClr>
+                </a:lnRef>
+                <a:fillRef idx="1">
+                  <a:schemeClr val="accent3"/>
+                </a:fillRef>
+                <a:effectRef idx="0">
+                  <a:schemeClr val="accent3"/>
+                </a:effectRef>
+                <a:fontRef idx="minor">
+                  <a:schemeClr val="lt1"/>
+                </a:fontRef>
+              </p:style>
+              <p:txBody>
+                <a:bodyPr rtlCol="0" anchor="ctr"/>
+                <a:lstStyle/>
+                <a:p>
+                  <a:pPr algn="ctr"/>
+                  <a:r>
+                    <a:rPr lang="zh-CN" altLang="en-US" dirty="0" smtClean="0"/>
+                    <a:t>请求</a:t>
+                  </a:r>
+                  <a:endParaRPr lang="zh-CN" altLang="en-US" dirty="0"/>
+                </a:p>
+              </p:txBody>
+            </p:sp>
+            <p:sp>
+              <p:nvSpPr>
+                <p:cNvPr id="4" name="圆角矩形 3"/>
+                <p:cNvSpPr/>
+                <p:nvPr/>
+              </p:nvSpPr>
+              <p:spPr>
+                <a:xfrm>
+                  <a:off x="762000" y="3337772"/>
+                  <a:ext cx="990600" cy="609600"/>
+                </a:xfrm>
+                <a:prstGeom prst="roundRect">
+                  <a:avLst/>
+                </a:prstGeom>
+              </p:spPr>
+              <p:style>
+                <a:lnRef idx="2">
+                  <a:schemeClr val="accent3">
+                    <a:shade val="50000"/>
+                  </a:schemeClr>
+                </a:lnRef>
+                <a:fillRef idx="1">
+                  <a:schemeClr val="accent3"/>
+                </a:fillRef>
+                <a:effectRef idx="0">
+                  <a:schemeClr val="accent3"/>
+                </a:effectRef>
+                <a:fontRef idx="minor">
+                  <a:schemeClr val="lt1"/>
+                </a:fontRef>
+              </p:style>
+              <p:txBody>
+                <a:bodyPr rtlCol="0" anchor="ctr"/>
+                <a:lstStyle/>
+                <a:p>
+                  <a:pPr algn="ctr"/>
+                  <a:r>
+                    <a:rPr lang="zh-CN" altLang="en-US" dirty="0" smtClean="0"/>
+                    <a:t>请求</a:t>
+                  </a:r>
+                  <a:endParaRPr lang="zh-CN" altLang="en-US" dirty="0"/>
+                </a:p>
+              </p:txBody>
+            </p:sp>
+            <p:sp>
+              <p:nvSpPr>
+                <p:cNvPr id="5" name="圆角矩形 4"/>
+                <p:cNvSpPr/>
+                <p:nvPr/>
+              </p:nvSpPr>
+              <p:spPr>
+                <a:xfrm>
+                  <a:off x="762000" y="2337515"/>
+                  <a:ext cx="990600" cy="609600"/>
+                </a:xfrm>
+                <a:prstGeom prst="roundRect">
+                  <a:avLst/>
+                </a:prstGeom>
+              </p:spPr>
+              <p:style>
+                <a:lnRef idx="2">
+                  <a:schemeClr val="accent3">
+                    <a:shade val="50000"/>
+                  </a:schemeClr>
+                </a:lnRef>
+                <a:fillRef idx="1">
+                  <a:schemeClr val="accent3"/>
+                </a:fillRef>
+                <a:effectRef idx="0">
+                  <a:schemeClr val="accent3"/>
+                </a:effectRef>
+                <a:fontRef idx="minor">
+                  <a:schemeClr val="lt1"/>
+                </a:fontRef>
+              </p:style>
+              <p:txBody>
+                <a:bodyPr rtlCol="0" anchor="ctr"/>
+                <a:lstStyle/>
+                <a:p>
+                  <a:pPr algn="ctr"/>
+                  <a:r>
+                    <a:rPr lang="zh-CN" altLang="en-US" dirty="0" smtClean="0"/>
+                    <a:t>请求</a:t>
+                  </a:r>
+                  <a:endParaRPr lang="zh-CN" altLang="en-US" dirty="0"/>
+                </a:p>
+              </p:txBody>
+            </p:sp>
+            <p:sp>
+              <p:nvSpPr>
+                <p:cNvPr id="6" name="圆角矩形 5"/>
+                <p:cNvSpPr/>
+                <p:nvPr/>
+              </p:nvSpPr>
+              <p:spPr>
+                <a:xfrm>
+                  <a:off x="762000" y="5205210"/>
+                  <a:ext cx="990600" cy="609600"/>
+                </a:xfrm>
+                <a:prstGeom prst="roundRect">
+                  <a:avLst/>
+                </a:prstGeom>
+              </p:spPr>
+              <p:style>
+                <a:lnRef idx="2">
+                  <a:schemeClr val="accent3">
+                    <a:shade val="50000"/>
+                  </a:schemeClr>
+                </a:lnRef>
+                <a:fillRef idx="1">
+                  <a:schemeClr val="accent3"/>
+                </a:fillRef>
+                <a:effectRef idx="0">
+                  <a:schemeClr val="accent3"/>
+                </a:effectRef>
+                <a:fontRef idx="minor">
+                  <a:schemeClr val="lt1"/>
+                </a:fontRef>
+              </p:style>
+              <p:txBody>
+                <a:bodyPr rtlCol="0" anchor="ctr"/>
+                <a:lstStyle/>
+                <a:p>
+                  <a:pPr algn="ctr"/>
+                  <a:r>
+                    <a:rPr lang="en-US" altLang="zh-CN" dirty="0" smtClean="0"/>
+                    <a:t>……</a:t>
+                  </a:r>
+                  <a:endParaRPr lang="zh-CN" altLang="en-US" dirty="0"/>
+                </a:p>
+              </p:txBody>
+            </p:sp>
+            <p:sp>
+              <p:nvSpPr>
+                <p:cNvPr id="7" name="圆角矩形 6"/>
+                <p:cNvSpPr/>
+                <p:nvPr/>
+              </p:nvSpPr>
+              <p:spPr>
+                <a:xfrm>
+                  <a:off x="3886200" y="3288400"/>
+                  <a:ext cx="990600" cy="609600"/>
+                </a:xfrm>
+                <a:prstGeom prst="roundRect">
+                  <a:avLst/>
+                </a:prstGeom>
+                <a:solidFill>
+                  <a:srgbClr val="FF0000"/>
+                </a:solidFill>
+              </p:spPr>
+              <p:style>
+                <a:lnRef idx="2">
+                  <a:schemeClr val="accent3">
+                    <a:shade val="50000"/>
+                  </a:schemeClr>
+                </a:lnRef>
+                <a:fillRef idx="1">
+                  <a:schemeClr val="accent3"/>
+                </a:fillRef>
+                <a:effectRef idx="0">
+                  <a:schemeClr val="accent3"/>
+                </a:effectRef>
+                <a:fontRef idx="minor">
+                  <a:schemeClr val="lt1"/>
+                </a:fontRef>
+              </p:style>
+              <p:txBody>
+                <a:bodyPr rtlCol="0" anchor="ctr"/>
+                <a:lstStyle/>
+                <a:p>
+                  <a:pPr algn="ctr"/>
+                  <a:r>
+                    <a:rPr lang="en-US" altLang="zh-CN" dirty="0" smtClean="0"/>
+                    <a:t>nginx</a:t>
+                  </a:r>
+                  <a:endParaRPr lang="zh-CN" altLang="en-US" dirty="0"/>
+                </a:p>
+              </p:txBody>
+            </p:sp>
+            <p:cxnSp>
+              <p:nvCxnSpPr>
+                <p:cNvPr id="26" name="直接箭头连接符 25"/>
+                <p:cNvCxnSpPr/>
+                <p:nvPr/>
+              </p:nvCxnSpPr>
+              <p:spPr>
+                <a:xfrm flipV="1">
+                  <a:off x="1902317" y="3947372"/>
+                  <a:ext cx="1870924" cy="1257838"/>
+                </a:xfrm>
+                <a:prstGeom prst="straightConnector1">
+                  <a:avLst/>
+                </a:prstGeom>
+                <a:ln w="28575">
+                  <a:tailEnd type="triangle"/>
+                </a:ln>
+              </p:spPr>
+              <p:style>
+                <a:lnRef idx="1">
+                  <a:schemeClr val="accent1"/>
+                </a:lnRef>
+                <a:fillRef idx="0">
+                  <a:schemeClr val="accent1"/>
+                </a:fillRef>
+                <a:effectRef idx="0">
+                  <a:schemeClr val="accent1"/>
+                </a:effectRef>
+                <a:fontRef idx="minor">
+                  <a:schemeClr val="tx1"/>
+                </a:fontRef>
+              </p:style>
+            </p:cxnSp>
+            <p:cxnSp>
+              <p:nvCxnSpPr>
+                <p:cNvPr id="27" name="直接箭头连接符 26"/>
+                <p:cNvCxnSpPr/>
+                <p:nvPr/>
+              </p:nvCxnSpPr>
+              <p:spPr>
+                <a:xfrm flipV="1">
+                  <a:off x="1941759" y="3898000"/>
+                  <a:ext cx="1697463" cy="678292"/>
+                </a:xfrm>
+                <a:prstGeom prst="straightConnector1">
+                  <a:avLst/>
+                </a:prstGeom>
+                <a:ln w="28575">
+                  <a:tailEnd type="triangle"/>
+                </a:ln>
+              </p:spPr>
+              <p:style>
+                <a:lnRef idx="1">
+                  <a:schemeClr val="accent1"/>
+                </a:lnRef>
+                <a:fillRef idx="0">
+                  <a:schemeClr val="accent1"/>
+                </a:fillRef>
+                <a:effectRef idx="0">
+                  <a:schemeClr val="accent1"/>
+                </a:effectRef>
+                <a:fontRef idx="minor">
+                  <a:schemeClr val="tx1"/>
+                </a:fontRef>
+              </p:style>
+            </p:cxnSp>
+            <p:cxnSp>
+              <p:nvCxnSpPr>
+                <p:cNvPr id="28" name="直接箭头连接符 27"/>
+                <p:cNvCxnSpPr/>
+                <p:nvPr/>
+              </p:nvCxnSpPr>
+              <p:spPr>
+                <a:xfrm>
+                  <a:off x="1922038" y="3642572"/>
+                  <a:ext cx="1575985" cy="0"/>
+                </a:xfrm>
+                <a:prstGeom prst="straightConnector1">
+                  <a:avLst/>
+                </a:prstGeom>
+                <a:ln w="28575">
+                  <a:tailEnd type="triangle"/>
+                </a:ln>
+              </p:spPr>
+              <p:style>
+                <a:lnRef idx="1">
+                  <a:schemeClr val="accent1"/>
+                </a:lnRef>
+                <a:fillRef idx="0">
+                  <a:schemeClr val="accent1"/>
+                </a:fillRef>
+                <a:effectRef idx="0">
+                  <a:schemeClr val="accent1"/>
+                </a:effectRef>
+                <a:fontRef idx="minor">
+                  <a:schemeClr val="tx1"/>
+                </a:fontRef>
+              </p:style>
+            </p:cxnSp>
+            <p:cxnSp>
+              <p:nvCxnSpPr>
+                <p:cNvPr id="29" name="直接箭头连接符 28"/>
+                <p:cNvCxnSpPr/>
+                <p:nvPr/>
+              </p:nvCxnSpPr>
+              <p:spPr>
+                <a:xfrm>
+                  <a:off x="1865559" y="2678800"/>
+                  <a:ext cx="1660704" cy="773800"/>
+                </a:xfrm>
+                <a:prstGeom prst="straightConnector1">
+                  <a:avLst/>
+                </a:prstGeom>
+                <a:ln w="28575">
+                  <a:tailEnd type="triangle"/>
+                </a:ln>
+              </p:spPr>
+              <p:style>
+                <a:lnRef idx="1">
+                  <a:schemeClr val="accent1"/>
+                </a:lnRef>
+                <a:fillRef idx="0">
+                  <a:schemeClr val="accent1"/>
+                </a:fillRef>
+                <a:effectRef idx="0">
+                  <a:schemeClr val="accent1"/>
+                </a:effectRef>
+                <a:fontRef idx="minor">
+                  <a:schemeClr val="tx1"/>
+                </a:fontRef>
+              </p:style>
+            </p:cxnSp>
+            <p:cxnSp>
+              <p:nvCxnSpPr>
+                <p:cNvPr id="30" name="直接箭头连接符 29"/>
+                <p:cNvCxnSpPr/>
+                <p:nvPr/>
+              </p:nvCxnSpPr>
+              <p:spPr>
+                <a:xfrm>
+                  <a:off x="1902317" y="1676400"/>
+                  <a:ext cx="1794725" cy="1612000"/>
+                </a:xfrm>
+                <a:prstGeom prst="straightConnector1">
+                  <a:avLst/>
+                </a:prstGeom>
+                <a:ln w="28575">
+                  <a:tailEnd type="triangle"/>
+                </a:ln>
+              </p:spPr>
+              <p:style>
+                <a:lnRef idx="1">
+                  <a:schemeClr val="accent1"/>
+                </a:lnRef>
+                <a:fillRef idx="0">
+                  <a:schemeClr val="accent1"/>
+                </a:fillRef>
+                <a:effectRef idx="0">
+                  <a:schemeClr val="accent1"/>
+                </a:effectRef>
+                <a:fontRef idx="minor">
+                  <a:schemeClr val="tx1"/>
+                </a:fontRef>
+              </p:style>
+            </p:cxnSp>
+          </p:grpSp>
+        </p:grpSp>
+      </p:grpSp>
+    </p:spTree>
+    <p:extLst>
+      <p:ext uri="{BB962C8B-B14F-4D97-AF65-F5344CB8AC3E}">
+        <p14:creationId xmlns:p14="http://schemas.microsoft.com/office/powerpoint/2010/main" val="2234958833"/>
+      </p:ext>
+    </p:extLst>
+  </p:cSld>
+  <p:clrMapOvr>
+    <a:masterClrMapping/>
+  </p:clrMapOvr>
+</p:sld>
+</file>
+
+<file path=ppt/slides/slide4.xml><?xml version="1.0" encoding="utf-8"?>
+<p:sld xmlns:a="http://schemas.openxmlformats.org/drawingml/2006/main" xmlns:r="http://schemas.openxmlformats.org/officeDocument/2006/relationships" xmlns:p="http://schemas.openxmlformats.org/presentationml/2006/main">
+  <p:cSld>
+    <p:spTree>
+      <p:nvGrpSpPr>
+        <p:cNvPr id="1" name=""/>
+        <p:cNvGrpSpPr/>
+        <p:nvPr/>
+      </p:nvGrpSpPr>
+      <p:grpSpPr>
+        <a:xfrm>
+          <a:off x="0" y="0"/>
+          <a:ext cx="0" cy="0"/>
+          <a:chOff x="0" y="0"/>
+          <a:chExt cx="0" cy="0"/>
+        </a:xfrm>
+      </p:grpSpPr>
+      <p:grpSp>
+        <p:nvGrpSpPr>
+          <p:cNvPr id="48" name="组合 47"/>
+          <p:cNvGrpSpPr/>
+          <p:nvPr/>
+        </p:nvGrpSpPr>
+        <p:grpSpPr>
+          <a:xfrm>
+            <a:off x="770049" y="413134"/>
+            <a:ext cx="8379317" cy="5885166"/>
+            <a:chOff x="770049" y="413134"/>
+            <a:chExt cx="8379317" cy="5885166"/>
+          </a:xfrm>
+        </p:grpSpPr>
+        <p:grpSp>
+          <p:nvGrpSpPr>
+            <p:cNvPr id="21" name="组合 20"/>
+            <p:cNvGrpSpPr/>
+            <p:nvPr/>
+          </p:nvGrpSpPr>
+          <p:grpSpPr>
+            <a:xfrm>
+              <a:off x="5948966" y="888100"/>
+              <a:ext cx="3200400" cy="5410200"/>
+              <a:chOff x="5943600" y="888100"/>
+              <a:chExt cx="3200400" cy="5410200"/>
+            </a:xfrm>
+          </p:grpSpPr>
+          <p:sp>
+            <p:nvSpPr>
+              <p:cNvPr id="8" name="圆角矩形 7"/>
+              <p:cNvSpPr/>
+              <p:nvPr/>
+            </p:nvSpPr>
+            <p:spPr>
+              <a:xfrm>
+                <a:off x="6781800" y="1905000"/>
+                <a:ext cx="1600200" cy="609600"/>
+              </a:xfrm>
+              <a:prstGeom prst="roundRect">
+                <a:avLst/>
+              </a:prstGeom>
+              <a:solidFill>
+                <a:schemeClr val="accent1"/>
+              </a:solidFill>
+            </p:spPr>
+            <p:style>
+              <a:lnRef idx="2">
+                <a:schemeClr val="accent3">
+                  <a:shade val="50000"/>
+                </a:schemeClr>
+              </a:lnRef>
+              <a:fillRef idx="1">
+                <a:schemeClr val="accent3"/>
+              </a:fillRef>
+              <a:effectRef idx="0">
+                <a:schemeClr val="accent3"/>
+              </a:effectRef>
+              <a:fontRef idx="minor">
+                <a:schemeClr val="lt1"/>
+              </a:fontRef>
+            </p:style>
+            <p:txBody>
+              <a:bodyPr rtlCol="0" anchor="ctr"/>
+              <a:lstStyle/>
+              <a:p>
+                <a:pPr algn="ctr"/>
+                <a:r>
+                  <a:rPr lang="zh-CN" altLang="en-US" dirty="0" smtClean="0"/>
+                  <a:t>服务器节点</a:t>
+                </a:r>
+                <a:r>
+                  <a:rPr lang="en-US" altLang="zh-CN" dirty="0" smtClean="0"/>
+                  <a:t>1</a:t>
+                </a:r>
+                <a:endParaRPr lang="zh-CN" altLang="en-US" dirty="0"/>
+              </a:p>
+            </p:txBody>
+          </p:sp>
+          <p:sp>
+            <p:nvSpPr>
+              <p:cNvPr id="14" name="圆角矩形 13"/>
+              <p:cNvSpPr/>
+              <p:nvPr/>
+            </p:nvSpPr>
+            <p:spPr>
+              <a:xfrm>
+                <a:off x="6781800" y="4770544"/>
+                <a:ext cx="1600200" cy="609600"/>
+              </a:xfrm>
+              <a:prstGeom prst="roundRect">
+                <a:avLst/>
+              </a:prstGeom>
+              <a:solidFill>
+                <a:schemeClr val="accent1"/>
+              </a:solidFill>
+            </p:spPr>
+            <p:style>
+              <a:lnRef idx="2">
+                <a:schemeClr val="accent3">
+                  <a:shade val="50000"/>
+                </a:schemeClr>
+              </a:lnRef>
+              <a:fillRef idx="1">
+                <a:schemeClr val="accent3"/>
+              </a:fillRef>
+              <a:effectRef idx="0">
+                <a:schemeClr val="accent3"/>
+              </a:effectRef>
+              <a:fontRef idx="minor">
+                <a:schemeClr val="lt1"/>
+              </a:fontRef>
+            </p:style>
+            <p:txBody>
+              <a:bodyPr rtlCol="0" anchor="ctr"/>
+              <a:lstStyle/>
+              <a:p>
+                <a:pPr algn="ctr"/>
+                <a:r>
+                  <a:rPr lang="zh-CN" altLang="en-US" dirty="0" smtClean="0"/>
+                  <a:t>服务器节点</a:t>
+                </a:r>
+                <a:r>
+                  <a:rPr lang="en-US" altLang="zh-CN" dirty="0"/>
+                  <a:t>3</a:t>
+                </a:r>
+                <a:endParaRPr lang="zh-CN" altLang="en-US" dirty="0"/>
+              </a:p>
+            </p:txBody>
+          </p:sp>
+          <p:sp>
+            <p:nvSpPr>
+              <p:cNvPr id="15" name="圆角矩形 14"/>
+              <p:cNvSpPr/>
+              <p:nvPr/>
+            </p:nvSpPr>
+            <p:spPr>
+              <a:xfrm>
+                <a:off x="6781800" y="3337772"/>
+                <a:ext cx="1600200" cy="609600"/>
+              </a:xfrm>
+              <a:prstGeom prst="roundRect">
+                <a:avLst/>
+              </a:prstGeom>
+              <a:solidFill>
+                <a:schemeClr val="accent1"/>
+              </a:solidFill>
+            </p:spPr>
+            <p:style>
+              <a:lnRef idx="2">
+                <a:schemeClr val="accent3">
+                  <a:shade val="50000"/>
+                </a:schemeClr>
+              </a:lnRef>
+              <a:fillRef idx="1">
+                <a:schemeClr val="accent3"/>
+              </a:fillRef>
+              <a:effectRef idx="0">
+                <a:schemeClr val="accent3"/>
+              </a:effectRef>
+              <a:fontRef idx="minor">
+                <a:schemeClr val="lt1"/>
+              </a:fontRef>
+            </p:style>
+            <p:txBody>
+              <a:bodyPr rtlCol="0" anchor="ctr"/>
+              <a:lstStyle/>
+              <a:p>
+                <a:pPr algn="ctr"/>
+                <a:r>
+                  <a:rPr lang="zh-CN" altLang="en-US" dirty="0" smtClean="0"/>
+                  <a:t>服务器节点</a:t>
+                </a:r>
+                <a:r>
+                  <a:rPr lang="en-US" altLang="zh-CN" dirty="0"/>
+                  <a:t>2</a:t>
+                </a:r>
+                <a:endParaRPr lang="zh-CN" altLang="en-US" dirty="0"/>
+              </a:p>
+            </p:txBody>
+          </p:sp>
+          <p:sp>
+            <p:nvSpPr>
+              <p:cNvPr id="16" name="圆角矩形 15"/>
+              <p:cNvSpPr/>
+              <p:nvPr/>
+            </p:nvSpPr>
+            <p:spPr>
+              <a:xfrm>
+                <a:off x="5943600" y="888100"/>
+                <a:ext cx="3200400" cy="5410200"/>
+              </a:xfrm>
+              <a:prstGeom prst="roundRect">
+                <a:avLst/>
+              </a:prstGeom>
+              <a:solidFill>
+                <a:srgbClr val="1CF0BE">
+                  <a:alpha val="10196"/>
+                </a:srgbClr>
+              </a:solidFill>
+              <a:ln>
+                <a:noFill/>
+              </a:ln>
+            </p:spPr>
+            <p:style>
+              <a:lnRef idx="2">
+                <a:schemeClr val="accent1">
+                  <a:shade val="50000"/>
+                </a:schemeClr>
+              </a:lnRef>
+              <a:fillRef idx="1">
+                <a:schemeClr val="accent1"/>
+              </a:fillRef>
+              <a:effectRef idx="0">
+                <a:schemeClr val="accent1"/>
+              </a:effectRef>
+              <a:fontRef idx="minor">
+                <a:schemeClr val="lt1"/>
+              </a:fontRef>
+            </p:style>
+            <p:txBody>
+              <a:bodyPr rtlCol="0" anchor="ctr"/>
+              <a:lstStyle/>
+              <a:p>
+                <a:pPr algn="ctr"/>
+                <a:endParaRPr lang="zh-CN" altLang="en-US" dirty="0"/>
+              </a:p>
+            </p:txBody>
+          </p:sp>
+        </p:grpSp>
+        <p:grpSp>
+          <p:nvGrpSpPr>
+            <p:cNvPr id="47" name="组合 46"/>
+            <p:cNvGrpSpPr/>
+            <p:nvPr/>
+          </p:nvGrpSpPr>
+          <p:grpSpPr>
+            <a:xfrm>
+              <a:off x="770049" y="413134"/>
+              <a:ext cx="5859351" cy="5249276"/>
+              <a:chOff x="770049" y="413134"/>
+              <a:chExt cx="5859351" cy="5249276"/>
+            </a:xfrm>
+          </p:grpSpPr>
+          <p:cxnSp>
+            <p:nvCxnSpPr>
+              <p:cNvPr id="18" name="直接箭头连接符 17"/>
+              <p:cNvCxnSpPr/>
+              <p:nvPr/>
+            </p:nvCxnSpPr>
+            <p:spPr>
+              <a:xfrm>
+                <a:off x="2286000" y="685800"/>
+                <a:ext cx="914400" cy="914400"/>
+              </a:xfrm>
+              <a:prstGeom prst="straightConnector1">
+                <a:avLst/>
+              </a:prstGeom>
+              <a:ln w="19050">
+                <a:solidFill>
+                  <a:srgbClr val="FFFFFF"/>
+                </a:solidFill>
+                <a:tailEnd type="triangle"/>
+              </a:ln>
+            </p:spPr>
+            <p:style>
+              <a:lnRef idx="1">
+                <a:schemeClr val="accent1"/>
+              </a:lnRef>
+              <a:fillRef idx="0">
+                <a:schemeClr val="accent1"/>
+              </a:fillRef>
+              <a:effectRef idx="0">
+                <a:schemeClr val="accent1"/>
+              </a:effectRef>
+              <a:fontRef idx="minor">
+                <a:schemeClr val="tx1"/>
+              </a:fontRef>
+            </p:style>
+          </p:cxnSp>
+          <p:cxnSp>
+            <p:nvCxnSpPr>
+              <p:cNvPr id="25" name="直接箭头连接符 24"/>
+              <p:cNvCxnSpPr/>
+              <p:nvPr/>
+            </p:nvCxnSpPr>
+            <p:spPr>
+              <a:xfrm flipV="1">
+                <a:off x="5074007" y="2226427"/>
+                <a:ext cx="1555393" cy="1000256"/>
+              </a:xfrm>
+              <a:prstGeom prst="straightConnector1">
+                <a:avLst/>
+              </a:prstGeom>
+              <a:ln w="38100">
+                <a:solidFill>
+                  <a:srgbClr val="FF0000"/>
+                </a:solidFill>
+                <a:tailEnd type="triangle"/>
+              </a:ln>
+            </p:spPr>
+            <p:style>
+              <a:lnRef idx="1">
+                <a:schemeClr val="accent1"/>
+              </a:lnRef>
+              <a:fillRef idx="0">
+                <a:schemeClr val="accent1"/>
+              </a:fillRef>
+              <a:effectRef idx="0">
+                <a:schemeClr val="accent1"/>
+              </a:effectRef>
+              <a:fontRef idx="minor">
+                <a:schemeClr val="tx1"/>
+              </a:fontRef>
+            </p:style>
+          </p:cxnSp>
+          <p:grpSp>
+            <p:nvGrpSpPr>
+              <p:cNvPr id="44" name="组合 43"/>
+              <p:cNvGrpSpPr/>
+              <p:nvPr/>
+            </p:nvGrpSpPr>
+            <p:grpSpPr>
+              <a:xfrm>
+                <a:off x="770049" y="1143000"/>
+                <a:ext cx="4114800" cy="4519410"/>
+                <a:chOff x="762000" y="1295400"/>
+                <a:chExt cx="4114800" cy="4519410"/>
+              </a:xfrm>
+            </p:grpSpPr>
+            <p:sp>
+              <p:nvSpPr>
+                <p:cNvPr id="2" name="圆角矩形 1"/>
+                <p:cNvSpPr/>
+                <p:nvPr/>
+              </p:nvSpPr>
+              <p:spPr>
+                <a:xfrm>
+                  <a:off x="762000" y="1295400"/>
+                  <a:ext cx="990600" cy="609600"/>
+                </a:xfrm>
+                <a:prstGeom prst="roundRect">
+                  <a:avLst/>
+                </a:prstGeom>
+              </p:spPr>
+              <p:style>
+                <a:lnRef idx="2">
+                  <a:schemeClr val="accent3">
+                    <a:shade val="50000"/>
+                  </a:schemeClr>
+                </a:lnRef>
+                <a:fillRef idx="1">
+                  <a:schemeClr val="accent3"/>
+                </a:fillRef>
+                <a:effectRef idx="0">
+                  <a:schemeClr val="accent3"/>
+                </a:effectRef>
+                <a:fontRef idx="minor">
+                  <a:schemeClr val="lt1"/>
+                </a:fontRef>
+              </p:style>
+              <p:txBody>
+                <a:bodyPr rtlCol="0" anchor="ctr"/>
+                <a:lstStyle/>
+                <a:p>
+                  <a:pPr algn="ctr"/>
+                  <a:r>
+                    <a:rPr lang="zh-CN" altLang="en-US" dirty="0" smtClean="0"/>
+                    <a:t>请求</a:t>
+                  </a:r>
+                  <a:endParaRPr lang="zh-CN" altLang="en-US" dirty="0"/>
+                </a:p>
+              </p:txBody>
+            </p:sp>
+            <p:sp>
+              <p:nvSpPr>
+                <p:cNvPr id="3" name="圆角矩形 2"/>
+                <p:cNvSpPr/>
+                <p:nvPr/>
+              </p:nvSpPr>
+              <p:spPr>
+                <a:xfrm>
+                  <a:off x="762000" y="4271491"/>
+                  <a:ext cx="990600" cy="609600"/>
+                </a:xfrm>
+                <a:prstGeom prst="roundRect">
+                  <a:avLst/>
+                </a:prstGeom>
+              </p:spPr>
+              <p:style>
+                <a:lnRef idx="2">
+                  <a:schemeClr val="accent3">
+                    <a:shade val="50000"/>
+                  </a:schemeClr>
+                </a:lnRef>
+                <a:fillRef idx="1">
+                  <a:schemeClr val="accent3"/>
+                </a:fillRef>
+                <a:effectRef idx="0">
+                  <a:schemeClr val="accent3"/>
+                </a:effectRef>
+                <a:fontRef idx="minor">
+                  <a:schemeClr val="lt1"/>
+                </a:fontRef>
+              </p:style>
+              <p:txBody>
+                <a:bodyPr rtlCol="0" anchor="ctr"/>
+                <a:lstStyle/>
+                <a:p>
+                  <a:pPr algn="ctr"/>
+                  <a:r>
+                    <a:rPr lang="zh-CN" altLang="en-US" dirty="0" smtClean="0"/>
+                    <a:t>请求</a:t>
+                  </a:r>
+                  <a:endParaRPr lang="zh-CN" altLang="en-US" dirty="0"/>
+                </a:p>
+              </p:txBody>
+            </p:sp>
+            <p:sp>
+              <p:nvSpPr>
+                <p:cNvPr id="4" name="圆角矩形 3"/>
+                <p:cNvSpPr/>
+                <p:nvPr/>
+              </p:nvSpPr>
+              <p:spPr>
+                <a:xfrm>
+                  <a:off x="762000" y="3337772"/>
+                  <a:ext cx="990600" cy="609600"/>
+                </a:xfrm>
+                <a:prstGeom prst="roundRect">
+                  <a:avLst/>
+                </a:prstGeom>
+              </p:spPr>
+              <p:style>
+                <a:lnRef idx="2">
+                  <a:schemeClr val="accent3">
+                    <a:shade val="50000"/>
+                  </a:schemeClr>
+                </a:lnRef>
+                <a:fillRef idx="1">
+                  <a:schemeClr val="accent3"/>
+                </a:fillRef>
+                <a:effectRef idx="0">
+                  <a:schemeClr val="accent3"/>
+                </a:effectRef>
+                <a:fontRef idx="minor">
+                  <a:schemeClr val="lt1"/>
+                </a:fontRef>
+              </p:style>
+              <p:txBody>
+                <a:bodyPr rtlCol="0" anchor="ctr"/>
+                <a:lstStyle/>
+                <a:p>
+                  <a:pPr algn="ctr"/>
+                  <a:r>
+                    <a:rPr lang="zh-CN" altLang="en-US" dirty="0" smtClean="0"/>
+                    <a:t>请求</a:t>
+                  </a:r>
+                  <a:endParaRPr lang="zh-CN" altLang="en-US" dirty="0"/>
+                </a:p>
+              </p:txBody>
+            </p:sp>
+            <p:sp>
+              <p:nvSpPr>
+                <p:cNvPr id="5" name="圆角矩形 4"/>
+                <p:cNvSpPr/>
+                <p:nvPr/>
+              </p:nvSpPr>
+              <p:spPr>
+                <a:xfrm>
+                  <a:off x="762000" y="2337515"/>
+                  <a:ext cx="990600" cy="609600"/>
+                </a:xfrm>
+                <a:prstGeom prst="roundRect">
+                  <a:avLst/>
+                </a:prstGeom>
+              </p:spPr>
+              <p:style>
+                <a:lnRef idx="2">
+                  <a:schemeClr val="accent3">
+                    <a:shade val="50000"/>
+                  </a:schemeClr>
+                </a:lnRef>
+                <a:fillRef idx="1">
+                  <a:schemeClr val="accent3"/>
+                </a:fillRef>
+                <a:effectRef idx="0">
+                  <a:schemeClr val="accent3"/>
+                </a:effectRef>
+                <a:fontRef idx="minor">
+                  <a:schemeClr val="lt1"/>
+                </a:fontRef>
+              </p:style>
+              <p:txBody>
+                <a:bodyPr rtlCol="0" anchor="ctr"/>
+                <a:lstStyle/>
+                <a:p>
+                  <a:pPr algn="ctr"/>
+                  <a:r>
+                    <a:rPr lang="zh-CN" altLang="en-US" dirty="0" smtClean="0"/>
+                    <a:t>请求</a:t>
+                  </a:r>
+                  <a:endParaRPr lang="zh-CN" altLang="en-US" dirty="0"/>
+                </a:p>
+              </p:txBody>
+            </p:sp>
+            <p:sp>
+              <p:nvSpPr>
+                <p:cNvPr id="6" name="圆角矩形 5"/>
+                <p:cNvSpPr/>
+                <p:nvPr/>
+              </p:nvSpPr>
+              <p:spPr>
+                <a:xfrm>
+                  <a:off x="762000" y="5205210"/>
+                  <a:ext cx="990600" cy="609600"/>
+                </a:xfrm>
+                <a:prstGeom prst="roundRect">
+                  <a:avLst/>
+                </a:prstGeom>
+              </p:spPr>
+              <p:style>
+                <a:lnRef idx="2">
+                  <a:schemeClr val="accent3">
+                    <a:shade val="50000"/>
+                  </a:schemeClr>
+                </a:lnRef>
+                <a:fillRef idx="1">
+                  <a:schemeClr val="accent3"/>
+                </a:fillRef>
+                <a:effectRef idx="0">
+                  <a:schemeClr val="accent3"/>
+                </a:effectRef>
+                <a:fontRef idx="minor">
+                  <a:schemeClr val="lt1"/>
+                </a:fontRef>
+              </p:style>
+              <p:txBody>
+                <a:bodyPr rtlCol="0" anchor="ctr"/>
+                <a:lstStyle/>
+                <a:p>
+                  <a:pPr algn="ctr"/>
+                  <a:r>
+                    <a:rPr lang="en-US" altLang="zh-CN" dirty="0" smtClean="0"/>
+                    <a:t>……</a:t>
+                  </a:r>
+                  <a:endParaRPr lang="zh-CN" altLang="en-US" dirty="0"/>
+                </a:p>
+              </p:txBody>
+            </p:sp>
+            <p:sp>
+              <p:nvSpPr>
+                <p:cNvPr id="7" name="圆角矩形 6"/>
+                <p:cNvSpPr/>
+                <p:nvPr/>
+              </p:nvSpPr>
+              <p:spPr>
+                <a:xfrm>
+                  <a:off x="3886200" y="3288400"/>
+                  <a:ext cx="990600" cy="609600"/>
+                </a:xfrm>
+                <a:prstGeom prst="roundRect">
+                  <a:avLst/>
+                </a:prstGeom>
+                <a:solidFill>
+                  <a:srgbClr val="FF0000"/>
+                </a:solidFill>
+              </p:spPr>
+              <p:style>
+                <a:lnRef idx="2">
+                  <a:schemeClr val="accent3">
+                    <a:shade val="50000"/>
+                  </a:schemeClr>
+                </a:lnRef>
+                <a:fillRef idx="1">
+                  <a:schemeClr val="accent3"/>
+                </a:fillRef>
+                <a:effectRef idx="0">
+                  <a:schemeClr val="accent3"/>
+                </a:effectRef>
+                <a:fontRef idx="minor">
+                  <a:schemeClr val="lt1"/>
+                </a:fontRef>
+              </p:style>
+              <p:txBody>
+                <a:bodyPr rtlCol="0" anchor="ctr"/>
+                <a:lstStyle/>
+                <a:p>
+                  <a:pPr algn="ctr"/>
+                  <a:r>
+                    <a:rPr lang="en-US" altLang="zh-CN" dirty="0" smtClean="0"/>
+                    <a:t>nginx</a:t>
+                  </a:r>
+                  <a:endParaRPr lang="zh-CN" altLang="en-US" dirty="0"/>
+                </a:p>
+              </p:txBody>
+            </p:sp>
+            <p:cxnSp>
+              <p:nvCxnSpPr>
+                <p:cNvPr id="26" name="直接箭头连接符 25"/>
+                <p:cNvCxnSpPr/>
+                <p:nvPr/>
+              </p:nvCxnSpPr>
+              <p:spPr>
+                <a:xfrm flipV="1">
+                  <a:off x="1902317" y="3947372"/>
+                  <a:ext cx="1870924" cy="1257838"/>
+                </a:xfrm>
+                <a:prstGeom prst="straightConnector1">
+                  <a:avLst/>
+                </a:prstGeom>
+                <a:ln w="28575">
+                  <a:tailEnd type="triangle"/>
+                </a:ln>
+              </p:spPr>
+              <p:style>
+                <a:lnRef idx="1">
+                  <a:schemeClr val="accent1"/>
+                </a:lnRef>
+                <a:fillRef idx="0">
+                  <a:schemeClr val="accent1"/>
+                </a:fillRef>
+                <a:effectRef idx="0">
+                  <a:schemeClr val="accent1"/>
+                </a:effectRef>
+                <a:fontRef idx="minor">
+                  <a:schemeClr val="tx1"/>
+                </a:fontRef>
+              </p:style>
+            </p:cxnSp>
+            <p:cxnSp>
+              <p:nvCxnSpPr>
+                <p:cNvPr id="27" name="直接箭头连接符 26"/>
+                <p:cNvCxnSpPr/>
+                <p:nvPr/>
+              </p:nvCxnSpPr>
+              <p:spPr>
+                <a:xfrm flipV="1">
+                  <a:off x="1941759" y="3898000"/>
+                  <a:ext cx="1697463" cy="678292"/>
+                </a:xfrm>
+                <a:prstGeom prst="straightConnector1">
+                  <a:avLst/>
+                </a:prstGeom>
+                <a:ln w="28575">
+                  <a:tailEnd type="triangle"/>
+                </a:ln>
+              </p:spPr>
+              <p:style>
+                <a:lnRef idx="1">
+                  <a:schemeClr val="accent1"/>
+                </a:lnRef>
+                <a:fillRef idx="0">
+                  <a:schemeClr val="accent1"/>
+                </a:fillRef>
+                <a:effectRef idx="0">
+                  <a:schemeClr val="accent1"/>
+                </a:effectRef>
+                <a:fontRef idx="minor">
+                  <a:schemeClr val="tx1"/>
+                </a:fontRef>
+              </p:style>
+            </p:cxnSp>
+            <p:cxnSp>
+              <p:nvCxnSpPr>
+                <p:cNvPr id="28" name="直接箭头连接符 27"/>
+                <p:cNvCxnSpPr/>
+                <p:nvPr/>
+              </p:nvCxnSpPr>
+              <p:spPr>
+                <a:xfrm>
+                  <a:off x="1922038" y="3642572"/>
+                  <a:ext cx="1575985" cy="0"/>
+                </a:xfrm>
+                <a:prstGeom prst="straightConnector1">
+                  <a:avLst/>
+                </a:prstGeom>
+                <a:ln w="28575">
+                  <a:tailEnd type="triangle"/>
+                </a:ln>
+              </p:spPr>
+              <p:style>
+                <a:lnRef idx="1">
+                  <a:schemeClr val="accent1"/>
+                </a:lnRef>
+                <a:fillRef idx="0">
+                  <a:schemeClr val="accent1"/>
+                </a:fillRef>
+                <a:effectRef idx="0">
+                  <a:schemeClr val="accent1"/>
+                </a:effectRef>
+                <a:fontRef idx="minor">
+                  <a:schemeClr val="tx1"/>
+                </a:fontRef>
+              </p:style>
+            </p:cxnSp>
+            <p:cxnSp>
+              <p:nvCxnSpPr>
+                <p:cNvPr id="29" name="直接箭头连接符 28"/>
+                <p:cNvCxnSpPr/>
+                <p:nvPr/>
+              </p:nvCxnSpPr>
+              <p:spPr>
+                <a:xfrm>
+                  <a:off x="1865559" y="2678800"/>
+                  <a:ext cx="1660704" cy="773800"/>
+                </a:xfrm>
+                <a:prstGeom prst="straightConnector1">
+                  <a:avLst/>
+                </a:prstGeom>
+                <a:ln w="28575">
+                  <a:tailEnd type="triangle"/>
+                </a:ln>
+              </p:spPr>
+              <p:style>
+                <a:lnRef idx="1">
+                  <a:schemeClr val="accent1"/>
+                </a:lnRef>
+                <a:fillRef idx="0">
+                  <a:schemeClr val="accent1"/>
+                </a:fillRef>
+                <a:effectRef idx="0">
+                  <a:schemeClr val="accent1"/>
+                </a:effectRef>
+                <a:fontRef idx="minor">
+                  <a:schemeClr val="tx1"/>
+                </a:fontRef>
+              </p:style>
+            </p:cxnSp>
+            <p:cxnSp>
+              <p:nvCxnSpPr>
+                <p:cNvPr id="30" name="直接箭头连接符 29"/>
+                <p:cNvCxnSpPr/>
+                <p:nvPr/>
+              </p:nvCxnSpPr>
+              <p:spPr>
+                <a:xfrm>
+                  <a:off x="1902317" y="1676400"/>
+                  <a:ext cx="1794725" cy="1612000"/>
+                </a:xfrm>
+                <a:prstGeom prst="straightConnector1">
+                  <a:avLst/>
+                </a:prstGeom>
+                <a:ln w="28575">
+                  <a:tailEnd type="triangle"/>
+                </a:ln>
+              </p:spPr>
+              <p:style>
+                <a:lnRef idx="1">
+                  <a:schemeClr val="accent1"/>
+                </a:lnRef>
+                <a:fillRef idx="0">
+                  <a:schemeClr val="accent1"/>
+                </a:fillRef>
+                <a:effectRef idx="0">
+                  <a:schemeClr val="accent1"/>
+                </a:effectRef>
+                <a:fontRef idx="minor">
+                  <a:schemeClr val="tx1"/>
+                </a:fontRef>
+              </p:style>
+            </p:cxnSp>
+          </p:grpSp>
+          <p:sp>
+            <p:nvSpPr>
+              <p:cNvPr id="46" name="文本框 45"/>
+              <p:cNvSpPr txBox="1"/>
+              <p:nvPr/>
+            </p:nvSpPr>
+            <p:spPr>
+              <a:xfrm>
+                <a:off x="2602053" y="413134"/>
+                <a:ext cx="3302507" cy="369332"/>
+              </a:xfrm>
+              <a:prstGeom prst="rect">
+                <a:avLst/>
+              </a:prstGeom>
+              <a:noFill/>
+            </p:spPr>
+            <p:txBody>
+              <a:bodyPr wrap="none" rtlCol="0">
+                <a:spAutoFit/>
+              </a:bodyPr>
+              <a:lstStyle/>
+              <a:p>
+                <a:r>
+                  <a:rPr lang="zh-CN" altLang="en-US" dirty="0" smtClean="0"/>
+                  <a:t>请求全部交给服务器节点</a:t>
+                </a:r>
+                <a:r>
+                  <a:rPr lang="en-US" altLang="zh-CN" dirty="0" smtClean="0"/>
+                  <a:t>1</a:t>
+                </a:r>
+                <a:r>
+                  <a:rPr lang="zh-CN" altLang="en-US" dirty="0" smtClean="0"/>
+                  <a:t>处理</a:t>
+                </a:r>
+                <a:endParaRPr lang="zh-CN" altLang="en-US" dirty="0"/>
+              </a:p>
+            </p:txBody>
+          </p:sp>
+        </p:grpSp>
+      </p:grpSp>
+    </p:spTree>
+    <p:extLst>
+      <p:ext uri="{BB962C8B-B14F-4D97-AF65-F5344CB8AC3E}">
+        <p14:creationId xmlns:p14="http://schemas.microsoft.com/office/powerpoint/2010/main" val="2942127177"/>
+      </p:ext>
+    </p:extLst>
+  </p:cSld>
+  <p:clrMapOvr>
+    <a:masterClrMapping/>
+  </p:clrMapOvr>
+</p:sld>
+</file>
+
+<file path=ppt/slides/slide5.xml><?xml version="1.0" encoding="utf-8"?>
+<p:sld xmlns:a="http://schemas.openxmlformats.org/drawingml/2006/main" xmlns:r="http://schemas.openxmlformats.org/officeDocument/2006/relationships" xmlns:p="http://schemas.openxmlformats.org/presentationml/2006/main">
+  <p:cSld>
+    <p:spTree>
+      <p:nvGrpSpPr>
+        <p:cNvPr id="1" name=""/>
+        <p:cNvGrpSpPr/>
+        <p:nvPr/>
+      </p:nvGrpSpPr>
+      <p:grpSpPr>
+        <a:xfrm>
+          <a:off x="0" y="0"/>
+          <a:ext cx="0" cy="0"/>
+          <a:chOff x="0" y="0"/>
+          <a:chExt cx="0" cy="0"/>
+        </a:xfrm>
+      </p:grpSpPr>
+      <p:grpSp>
+        <p:nvGrpSpPr>
+          <p:cNvPr id="48" name="组合 47"/>
+          <p:cNvGrpSpPr/>
+          <p:nvPr/>
+        </p:nvGrpSpPr>
+        <p:grpSpPr>
+          <a:xfrm>
+            <a:off x="770049" y="413134"/>
+            <a:ext cx="8379317" cy="5885166"/>
+            <a:chOff x="770049" y="413134"/>
+            <a:chExt cx="8379317" cy="5885166"/>
+          </a:xfrm>
+        </p:grpSpPr>
+        <p:grpSp>
+          <p:nvGrpSpPr>
+            <p:cNvPr id="21" name="组合 20"/>
+            <p:cNvGrpSpPr/>
+            <p:nvPr/>
+          </p:nvGrpSpPr>
+          <p:grpSpPr>
+            <a:xfrm>
+              <a:off x="5948966" y="888100"/>
+              <a:ext cx="3200400" cy="5410200"/>
+              <a:chOff x="5943600" y="888100"/>
+              <a:chExt cx="3200400" cy="5410200"/>
+            </a:xfrm>
+          </p:grpSpPr>
+          <p:sp>
+            <p:nvSpPr>
+              <p:cNvPr id="8" name="圆角矩形 7"/>
+              <p:cNvSpPr/>
+              <p:nvPr/>
+            </p:nvSpPr>
+            <p:spPr>
+              <a:xfrm>
+                <a:off x="6781800" y="1905000"/>
+                <a:ext cx="1600200" cy="609600"/>
+              </a:xfrm>
+              <a:prstGeom prst="roundRect">
+                <a:avLst/>
+              </a:prstGeom>
+              <a:solidFill>
+                <a:schemeClr val="accent1"/>
+              </a:solidFill>
+            </p:spPr>
+            <p:style>
+              <a:lnRef idx="2">
+                <a:schemeClr val="accent3">
+                  <a:shade val="50000"/>
+                </a:schemeClr>
+              </a:lnRef>
+              <a:fillRef idx="1">
+                <a:schemeClr val="accent3"/>
+              </a:fillRef>
+              <a:effectRef idx="0">
+                <a:schemeClr val="accent3"/>
+              </a:effectRef>
+              <a:fontRef idx="minor">
+                <a:schemeClr val="lt1"/>
+              </a:fontRef>
+            </p:style>
+            <p:txBody>
+              <a:bodyPr rtlCol="0" anchor="ctr"/>
+              <a:lstStyle/>
+              <a:p>
+                <a:pPr algn="ctr"/>
+                <a:r>
+                  <a:rPr lang="zh-CN" altLang="en-US" dirty="0" smtClean="0"/>
+                  <a:t>服务器节点</a:t>
+                </a:r>
+                <a:r>
+                  <a:rPr lang="en-US" altLang="zh-CN" dirty="0" smtClean="0"/>
+                  <a:t>1</a:t>
+                </a:r>
+                <a:endParaRPr lang="zh-CN" altLang="en-US" dirty="0"/>
+              </a:p>
+            </p:txBody>
+          </p:sp>
+          <p:sp>
+            <p:nvSpPr>
+              <p:cNvPr id="14" name="圆角矩形 13"/>
+              <p:cNvSpPr/>
+              <p:nvPr/>
+            </p:nvSpPr>
+            <p:spPr>
+              <a:xfrm>
+                <a:off x="6781800" y="4770544"/>
+                <a:ext cx="1600200" cy="609600"/>
+              </a:xfrm>
+              <a:prstGeom prst="roundRect">
+                <a:avLst/>
+              </a:prstGeom>
+              <a:solidFill>
+                <a:schemeClr val="accent1"/>
+              </a:solidFill>
+            </p:spPr>
+            <p:style>
+              <a:lnRef idx="2">
+                <a:schemeClr val="accent3">
+                  <a:shade val="50000"/>
+                </a:schemeClr>
+              </a:lnRef>
+              <a:fillRef idx="1">
+                <a:schemeClr val="accent3"/>
+              </a:fillRef>
+              <a:effectRef idx="0">
+                <a:schemeClr val="accent3"/>
+              </a:effectRef>
+              <a:fontRef idx="minor">
+                <a:schemeClr val="lt1"/>
+              </a:fontRef>
+            </p:style>
+            <p:txBody>
+              <a:bodyPr rtlCol="0" anchor="ctr"/>
+              <a:lstStyle/>
+              <a:p>
+                <a:pPr algn="ctr"/>
+                <a:r>
+                  <a:rPr lang="zh-CN" altLang="en-US" dirty="0" smtClean="0"/>
+                  <a:t>服务器节点</a:t>
+                </a:r>
+                <a:r>
+                  <a:rPr lang="en-US" altLang="zh-CN" dirty="0"/>
+                  <a:t>3</a:t>
+                </a:r>
+                <a:endParaRPr lang="zh-CN" altLang="en-US" dirty="0"/>
+              </a:p>
+            </p:txBody>
+          </p:sp>
+          <p:sp>
+            <p:nvSpPr>
+              <p:cNvPr id="15" name="圆角矩形 14"/>
+              <p:cNvSpPr/>
+              <p:nvPr/>
+            </p:nvSpPr>
+            <p:spPr>
+              <a:xfrm>
+                <a:off x="6781800" y="3337772"/>
+                <a:ext cx="1600200" cy="609600"/>
+              </a:xfrm>
+              <a:prstGeom prst="roundRect">
+                <a:avLst/>
+              </a:prstGeom>
+              <a:solidFill>
+                <a:schemeClr val="accent1"/>
+              </a:solidFill>
+            </p:spPr>
+            <p:style>
+              <a:lnRef idx="2">
+                <a:schemeClr val="accent3">
+                  <a:shade val="50000"/>
+                </a:schemeClr>
+              </a:lnRef>
+              <a:fillRef idx="1">
+                <a:schemeClr val="accent3"/>
+              </a:fillRef>
+              <a:effectRef idx="0">
+                <a:schemeClr val="accent3"/>
+              </a:effectRef>
+              <a:fontRef idx="minor">
+                <a:schemeClr val="lt1"/>
+              </a:fontRef>
+            </p:style>
+            <p:txBody>
+              <a:bodyPr rtlCol="0" anchor="ctr"/>
+              <a:lstStyle/>
+              <a:p>
+                <a:pPr algn="ctr"/>
+                <a:r>
+                  <a:rPr lang="zh-CN" altLang="en-US" dirty="0" smtClean="0"/>
+                  <a:t>服务器节点</a:t>
+                </a:r>
+                <a:r>
+                  <a:rPr lang="en-US" altLang="zh-CN" dirty="0"/>
+                  <a:t>2</a:t>
+                </a:r>
+                <a:endParaRPr lang="zh-CN" altLang="en-US" dirty="0"/>
+              </a:p>
+            </p:txBody>
+          </p:sp>
+          <p:sp>
+            <p:nvSpPr>
+              <p:cNvPr id="16" name="圆角矩形 15"/>
+              <p:cNvSpPr/>
+              <p:nvPr/>
+            </p:nvSpPr>
+            <p:spPr>
+              <a:xfrm>
+                <a:off x="5943600" y="888100"/>
+                <a:ext cx="3200400" cy="5410200"/>
+              </a:xfrm>
+              <a:prstGeom prst="roundRect">
+                <a:avLst/>
+              </a:prstGeom>
+              <a:solidFill>
+                <a:srgbClr val="1CF0BE">
+                  <a:alpha val="10196"/>
+                </a:srgbClr>
+              </a:solidFill>
+              <a:ln>
+                <a:noFill/>
+              </a:ln>
+            </p:spPr>
+            <p:style>
+              <a:lnRef idx="2">
+                <a:schemeClr val="accent1">
+                  <a:shade val="50000"/>
+                </a:schemeClr>
+              </a:lnRef>
+              <a:fillRef idx="1">
+                <a:schemeClr val="accent1"/>
+              </a:fillRef>
+              <a:effectRef idx="0">
+                <a:schemeClr val="accent1"/>
+              </a:effectRef>
+              <a:fontRef idx="minor">
+                <a:schemeClr val="lt1"/>
+              </a:fontRef>
+            </p:style>
+            <p:txBody>
+              <a:bodyPr rtlCol="0" anchor="ctr"/>
+              <a:lstStyle/>
+              <a:p>
+                <a:pPr algn="ctr"/>
+                <a:endParaRPr lang="zh-CN" altLang="en-US" dirty="0"/>
+              </a:p>
+            </p:txBody>
+          </p:sp>
+        </p:grpSp>
+        <p:grpSp>
+          <p:nvGrpSpPr>
+            <p:cNvPr id="47" name="组合 46"/>
+            <p:cNvGrpSpPr/>
+            <p:nvPr/>
+          </p:nvGrpSpPr>
+          <p:grpSpPr>
+            <a:xfrm>
+              <a:off x="770049" y="413134"/>
+              <a:ext cx="5783151" cy="5249276"/>
+              <a:chOff x="770049" y="413134"/>
+              <a:chExt cx="5783151" cy="5249276"/>
+            </a:xfrm>
+          </p:grpSpPr>
+          <p:cxnSp>
+            <p:nvCxnSpPr>
+              <p:cNvPr id="18" name="直接箭头连接符 17"/>
+              <p:cNvCxnSpPr/>
+              <p:nvPr/>
+            </p:nvCxnSpPr>
+            <p:spPr>
+              <a:xfrm>
+                <a:off x="2286000" y="685800"/>
+                <a:ext cx="914400" cy="914400"/>
+              </a:xfrm>
+              <a:prstGeom prst="straightConnector1">
+                <a:avLst/>
+              </a:prstGeom>
+              <a:ln w="19050">
+                <a:solidFill>
+                  <a:srgbClr val="FFFFFF"/>
+                </a:solidFill>
+                <a:tailEnd type="triangle"/>
+              </a:ln>
+            </p:spPr>
+            <p:style>
+              <a:lnRef idx="1">
+                <a:schemeClr val="accent1"/>
+              </a:lnRef>
+              <a:fillRef idx="0">
+                <a:schemeClr val="accent1"/>
+              </a:fillRef>
+              <a:effectRef idx="0">
+                <a:schemeClr val="accent1"/>
+              </a:effectRef>
+              <a:fontRef idx="minor">
+                <a:schemeClr val="tx1"/>
+              </a:fontRef>
+            </p:style>
+          </p:cxnSp>
+          <p:cxnSp>
+            <p:nvCxnSpPr>
+              <p:cNvPr id="25" name="直接箭头连接符 24"/>
+              <p:cNvCxnSpPr/>
+              <p:nvPr/>
+            </p:nvCxnSpPr>
+            <p:spPr>
+              <a:xfrm>
+                <a:off x="5074007" y="3381213"/>
+                <a:ext cx="1479193" cy="261359"/>
+              </a:xfrm>
+              <a:prstGeom prst="straightConnector1">
+                <a:avLst/>
+              </a:prstGeom>
+              <a:ln w="38100">
+                <a:solidFill>
+                  <a:srgbClr val="FF0000"/>
+                </a:solidFill>
+                <a:tailEnd type="triangle"/>
+              </a:ln>
+            </p:spPr>
+            <p:style>
+              <a:lnRef idx="1">
+                <a:schemeClr val="accent1"/>
+              </a:lnRef>
+              <a:fillRef idx="0">
+                <a:schemeClr val="accent1"/>
+              </a:fillRef>
+              <a:effectRef idx="0">
+                <a:schemeClr val="accent1"/>
+              </a:effectRef>
+              <a:fontRef idx="minor">
+                <a:schemeClr val="tx1"/>
+              </a:fontRef>
+            </p:style>
+          </p:cxnSp>
+          <p:grpSp>
+            <p:nvGrpSpPr>
+              <p:cNvPr id="44" name="组合 43"/>
+              <p:cNvGrpSpPr/>
+              <p:nvPr/>
+            </p:nvGrpSpPr>
+            <p:grpSpPr>
+              <a:xfrm>
+                <a:off x="770049" y="1143000"/>
+                <a:ext cx="4114800" cy="4519410"/>
+                <a:chOff x="762000" y="1295400"/>
+                <a:chExt cx="4114800" cy="4519410"/>
+              </a:xfrm>
+            </p:grpSpPr>
+            <p:sp>
+              <p:nvSpPr>
+                <p:cNvPr id="2" name="圆角矩形 1"/>
+                <p:cNvSpPr/>
+                <p:nvPr/>
+              </p:nvSpPr>
+              <p:spPr>
+                <a:xfrm>
+                  <a:off x="762000" y="1295400"/>
+                  <a:ext cx="990600" cy="609600"/>
+                </a:xfrm>
+                <a:prstGeom prst="roundRect">
+                  <a:avLst/>
+                </a:prstGeom>
+              </p:spPr>
+              <p:style>
+                <a:lnRef idx="2">
+                  <a:schemeClr val="accent3">
+                    <a:shade val="50000"/>
+                  </a:schemeClr>
+                </a:lnRef>
+                <a:fillRef idx="1">
+                  <a:schemeClr val="accent3"/>
+                </a:fillRef>
+                <a:effectRef idx="0">
+                  <a:schemeClr val="accent3"/>
+                </a:effectRef>
+                <a:fontRef idx="minor">
+                  <a:schemeClr val="lt1"/>
+                </a:fontRef>
+              </p:style>
+              <p:txBody>
+                <a:bodyPr rtlCol="0" anchor="ctr"/>
+                <a:lstStyle/>
+                <a:p>
+                  <a:pPr algn="ctr"/>
+                  <a:r>
+                    <a:rPr lang="zh-CN" altLang="en-US" dirty="0" smtClean="0"/>
+                    <a:t>请求</a:t>
+                  </a:r>
+                  <a:endParaRPr lang="zh-CN" altLang="en-US" dirty="0"/>
+                </a:p>
+              </p:txBody>
+            </p:sp>
+            <p:sp>
+              <p:nvSpPr>
+                <p:cNvPr id="3" name="圆角矩形 2"/>
+                <p:cNvSpPr/>
+                <p:nvPr/>
+              </p:nvSpPr>
+              <p:spPr>
+                <a:xfrm>
+                  <a:off x="762000" y="4271491"/>
+                  <a:ext cx="990600" cy="609600"/>
+                </a:xfrm>
+                <a:prstGeom prst="roundRect">
+                  <a:avLst/>
+                </a:prstGeom>
+              </p:spPr>
+              <p:style>
+                <a:lnRef idx="2">
+                  <a:schemeClr val="accent3">
+                    <a:shade val="50000"/>
+                  </a:schemeClr>
+                </a:lnRef>
+                <a:fillRef idx="1">
+                  <a:schemeClr val="accent3"/>
+                </a:fillRef>
+                <a:effectRef idx="0">
+                  <a:schemeClr val="accent3"/>
+                </a:effectRef>
+                <a:fontRef idx="minor">
+                  <a:schemeClr val="lt1"/>
+                </a:fontRef>
+              </p:style>
+              <p:txBody>
+                <a:bodyPr rtlCol="0" anchor="ctr"/>
+                <a:lstStyle/>
+                <a:p>
+                  <a:pPr algn="ctr"/>
+                  <a:r>
+                    <a:rPr lang="zh-CN" altLang="en-US" dirty="0" smtClean="0"/>
+                    <a:t>请求</a:t>
+                  </a:r>
+                  <a:endParaRPr lang="zh-CN" altLang="en-US" dirty="0"/>
+                </a:p>
+              </p:txBody>
+            </p:sp>
+            <p:sp>
+              <p:nvSpPr>
+                <p:cNvPr id="4" name="圆角矩形 3"/>
+                <p:cNvSpPr/>
+                <p:nvPr/>
+              </p:nvSpPr>
+              <p:spPr>
+                <a:xfrm>
+                  <a:off x="762000" y="3337772"/>
+                  <a:ext cx="990600" cy="609600"/>
+                </a:xfrm>
+                <a:prstGeom prst="roundRect">
+                  <a:avLst/>
+                </a:prstGeom>
+              </p:spPr>
+              <p:style>
+                <a:lnRef idx="2">
+                  <a:schemeClr val="accent3">
+                    <a:shade val="50000"/>
+                  </a:schemeClr>
+                </a:lnRef>
+                <a:fillRef idx="1">
+                  <a:schemeClr val="accent3"/>
+                </a:fillRef>
+                <a:effectRef idx="0">
+                  <a:schemeClr val="accent3"/>
+                </a:effectRef>
+                <a:fontRef idx="minor">
+                  <a:schemeClr val="lt1"/>
+                </a:fontRef>
+              </p:style>
+              <p:txBody>
+                <a:bodyPr rtlCol="0" anchor="ctr"/>
+                <a:lstStyle/>
+                <a:p>
+                  <a:pPr algn="ctr"/>
+                  <a:r>
+                    <a:rPr lang="zh-CN" altLang="en-US" dirty="0" smtClean="0"/>
+                    <a:t>请求</a:t>
+                  </a:r>
+                  <a:endParaRPr lang="zh-CN" altLang="en-US" dirty="0"/>
+                </a:p>
+              </p:txBody>
+            </p:sp>
+            <p:sp>
+              <p:nvSpPr>
+                <p:cNvPr id="5" name="圆角矩形 4"/>
+                <p:cNvSpPr/>
+                <p:nvPr/>
+              </p:nvSpPr>
+              <p:spPr>
+                <a:xfrm>
+                  <a:off x="762000" y="2337515"/>
+                  <a:ext cx="990600" cy="609600"/>
+                </a:xfrm>
+                <a:prstGeom prst="roundRect">
+                  <a:avLst/>
+                </a:prstGeom>
+              </p:spPr>
+              <p:style>
+                <a:lnRef idx="2">
+                  <a:schemeClr val="accent3">
+                    <a:shade val="50000"/>
+                  </a:schemeClr>
+                </a:lnRef>
+                <a:fillRef idx="1">
+                  <a:schemeClr val="accent3"/>
+                </a:fillRef>
+                <a:effectRef idx="0">
+                  <a:schemeClr val="accent3"/>
+                </a:effectRef>
+                <a:fontRef idx="minor">
+                  <a:schemeClr val="lt1"/>
+                </a:fontRef>
+              </p:style>
+              <p:txBody>
+                <a:bodyPr rtlCol="0" anchor="ctr"/>
+                <a:lstStyle/>
+                <a:p>
+                  <a:pPr algn="ctr"/>
+                  <a:r>
+                    <a:rPr lang="zh-CN" altLang="en-US" dirty="0" smtClean="0"/>
+                    <a:t>请求</a:t>
+                  </a:r>
+                  <a:endParaRPr lang="zh-CN" altLang="en-US" dirty="0"/>
+                </a:p>
+              </p:txBody>
+            </p:sp>
+            <p:sp>
+              <p:nvSpPr>
+                <p:cNvPr id="6" name="圆角矩形 5"/>
+                <p:cNvSpPr/>
+                <p:nvPr/>
+              </p:nvSpPr>
+              <p:spPr>
+                <a:xfrm>
+                  <a:off x="762000" y="5205210"/>
+                  <a:ext cx="990600" cy="609600"/>
+                </a:xfrm>
+                <a:prstGeom prst="roundRect">
+                  <a:avLst/>
+                </a:prstGeom>
+              </p:spPr>
+              <p:style>
+                <a:lnRef idx="2">
+                  <a:schemeClr val="accent3">
+                    <a:shade val="50000"/>
+                  </a:schemeClr>
+                </a:lnRef>
+                <a:fillRef idx="1">
+                  <a:schemeClr val="accent3"/>
+                </a:fillRef>
+                <a:effectRef idx="0">
+                  <a:schemeClr val="accent3"/>
+                </a:effectRef>
+                <a:fontRef idx="minor">
+                  <a:schemeClr val="lt1"/>
+                </a:fontRef>
+              </p:style>
+              <p:txBody>
+                <a:bodyPr rtlCol="0" anchor="ctr"/>
+                <a:lstStyle/>
+                <a:p>
+                  <a:pPr algn="ctr"/>
+                  <a:r>
+                    <a:rPr lang="en-US" altLang="zh-CN" dirty="0" smtClean="0"/>
+                    <a:t>……</a:t>
+                  </a:r>
+                  <a:endParaRPr lang="zh-CN" altLang="en-US" dirty="0"/>
+                </a:p>
+              </p:txBody>
+            </p:sp>
+            <p:sp>
+              <p:nvSpPr>
+                <p:cNvPr id="7" name="圆角矩形 6"/>
+                <p:cNvSpPr/>
+                <p:nvPr/>
+              </p:nvSpPr>
+              <p:spPr>
+                <a:xfrm>
+                  <a:off x="3886200" y="3288400"/>
+                  <a:ext cx="990600" cy="609600"/>
+                </a:xfrm>
+                <a:prstGeom prst="roundRect">
+                  <a:avLst/>
+                </a:prstGeom>
+                <a:solidFill>
+                  <a:srgbClr val="FF0000"/>
+                </a:solidFill>
+              </p:spPr>
+              <p:style>
+                <a:lnRef idx="2">
+                  <a:schemeClr val="accent3">
+                    <a:shade val="50000"/>
+                  </a:schemeClr>
+                </a:lnRef>
+                <a:fillRef idx="1">
+                  <a:schemeClr val="accent3"/>
+                </a:fillRef>
+                <a:effectRef idx="0">
+                  <a:schemeClr val="accent3"/>
+                </a:effectRef>
+                <a:fontRef idx="minor">
+                  <a:schemeClr val="lt1"/>
+                </a:fontRef>
+              </p:style>
+              <p:txBody>
+                <a:bodyPr rtlCol="0" anchor="ctr"/>
+                <a:lstStyle/>
+                <a:p>
+                  <a:pPr algn="ctr"/>
+                  <a:r>
+                    <a:rPr lang="en-US" altLang="zh-CN" dirty="0" smtClean="0"/>
+                    <a:t>nginx</a:t>
+                  </a:r>
+                  <a:endParaRPr lang="zh-CN" altLang="en-US" dirty="0"/>
+                </a:p>
+              </p:txBody>
+            </p:sp>
+            <p:cxnSp>
+              <p:nvCxnSpPr>
+                <p:cNvPr id="26" name="直接箭头连接符 25"/>
+                <p:cNvCxnSpPr/>
+                <p:nvPr/>
+              </p:nvCxnSpPr>
+              <p:spPr>
+                <a:xfrm flipV="1">
+                  <a:off x="1902317" y="3947372"/>
+                  <a:ext cx="1870924" cy="1257838"/>
+                </a:xfrm>
+                <a:prstGeom prst="straightConnector1">
+                  <a:avLst/>
+                </a:prstGeom>
+                <a:ln w="28575">
+                  <a:tailEnd type="triangle"/>
+                </a:ln>
+              </p:spPr>
+              <p:style>
+                <a:lnRef idx="1">
+                  <a:schemeClr val="accent1"/>
+                </a:lnRef>
+                <a:fillRef idx="0">
+                  <a:schemeClr val="accent1"/>
+                </a:fillRef>
+                <a:effectRef idx="0">
+                  <a:schemeClr val="accent1"/>
+                </a:effectRef>
+                <a:fontRef idx="minor">
+                  <a:schemeClr val="tx1"/>
+                </a:fontRef>
+              </p:style>
+            </p:cxnSp>
+            <p:cxnSp>
+              <p:nvCxnSpPr>
+                <p:cNvPr id="27" name="直接箭头连接符 26"/>
+                <p:cNvCxnSpPr/>
+                <p:nvPr/>
+              </p:nvCxnSpPr>
+              <p:spPr>
+                <a:xfrm flipV="1">
+                  <a:off x="1941759" y="3898000"/>
+                  <a:ext cx="1697463" cy="678292"/>
+                </a:xfrm>
+                <a:prstGeom prst="straightConnector1">
+                  <a:avLst/>
+                </a:prstGeom>
+                <a:ln w="28575">
+                  <a:tailEnd type="triangle"/>
+                </a:ln>
+              </p:spPr>
+              <p:style>
+                <a:lnRef idx="1">
+                  <a:schemeClr val="accent1"/>
+                </a:lnRef>
+                <a:fillRef idx="0">
+                  <a:schemeClr val="accent1"/>
+                </a:fillRef>
+                <a:effectRef idx="0">
+                  <a:schemeClr val="accent1"/>
+                </a:effectRef>
+                <a:fontRef idx="minor">
+                  <a:schemeClr val="tx1"/>
+                </a:fontRef>
+              </p:style>
+            </p:cxnSp>
+            <p:cxnSp>
+              <p:nvCxnSpPr>
+                <p:cNvPr id="28" name="直接箭头连接符 27"/>
+                <p:cNvCxnSpPr/>
+                <p:nvPr/>
+              </p:nvCxnSpPr>
+              <p:spPr>
+                <a:xfrm>
+                  <a:off x="1922038" y="3642572"/>
+                  <a:ext cx="1575985" cy="0"/>
+                </a:xfrm>
+                <a:prstGeom prst="straightConnector1">
+                  <a:avLst/>
+                </a:prstGeom>
+                <a:ln w="28575">
+                  <a:tailEnd type="triangle"/>
+                </a:ln>
+              </p:spPr>
+              <p:style>
+                <a:lnRef idx="1">
+                  <a:schemeClr val="accent1"/>
+                </a:lnRef>
+                <a:fillRef idx="0">
+                  <a:schemeClr val="accent1"/>
+                </a:fillRef>
+                <a:effectRef idx="0">
+                  <a:schemeClr val="accent1"/>
+                </a:effectRef>
+                <a:fontRef idx="minor">
+                  <a:schemeClr val="tx1"/>
+                </a:fontRef>
+              </p:style>
+            </p:cxnSp>
+            <p:cxnSp>
+              <p:nvCxnSpPr>
+                <p:cNvPr id="29" name="直接箭头连接符 28"/>
+                <p:cNvCxnSpPr/>
+                <p:nvPr/>
+              </p:nvCxnSpPr>
+              <p:spPr>
+                <a:xfrm>
+                  <a:off x="1865559" y="2678800"/>
+                  <a:ext cx="1660704" cy="773800"/>
+                </a:xfrm>
+                <a:prstGeom prst="straightConnector1">
+                  <a:avLst/>
+                </a:prstGeom>
+                <a:ln w="28575">
+                  <a:tailEnd type="triangle"/>
+                </a:ln>
+              </p:spPr>
+              <p:style>
+                <a:lnRef idx="1">
+                  <a:schemeClr val="accent1"/>
+                </a:lnRef>
+                <a:fillRef idx="0">
+                  <a:schemeClr val="accent1"/>
+                </a:fillRef>
+                <a:effectRef idx="0">
+                  <a:schemeClr val="accent1"/>
+                </a:effectRef>
+                <a:fontRef idx="minor">
+                  <a:schemeClr val="tx1"/>
+                </a:fontRef>
+              </p:style>
+            </p:cxnSp>
+            <p:cxnSp>
+              <p:nvCxnSpPr>
+                <p:cNvPr id="30" name="直接箭头连接符 29"/>
+                <p:cNvCxnSpPr/>
+                <p:nvPr/>
+              </p:nvCxnSpPr>
+              <p:spPr>
+                <a:xfrm>
+                  <a:off x="1902317" y="1676400"/>
+                  <a:ext cx="1794725" cy="1612000"/>
+                </a:xfrm>
+                <a:prstGeom prst="straightConnector1">
+                  <a:avLst/>
+                </a:prstGeom>
+                <a:ln w="28575">
+                  <a:tailEnd type="triangle"/>
+                </a:ln>
+              </p:spPr>
+              <p:style>
+                <a:lnRef idx="1">
+                  <a:schemeClr val="accent1"/>
+                </a:lnRef>
+                <a:fillRef idx="0">
+                  <a:schemeClr val="accent1"/>
+                </a:fillRef>
+                <a:effectRef idx="0">
+                  <a:schemeClr val="accent1"/>
+                </a:effectRef>
+                <a:fontRef idx="minor">
+                  <a:schemeClr val="tx1"/>
+                </a:fontRef>
+              </p:style>
+            </p:cxnSp>
+          </p:grpSp>
+          <p:sp>
+            <p:nvSpPr>
+              <p:cNvPr id="46" name="文本框 45"/>
+              <p:cNvSpPr txBox="1"/>
+              <p:nvPr/>
+            </p:nvSpPr>
+            <p:spPr>
+              <a:xfrm>
+                <a:off x="2602053" y="413134"/>
+                <a:ext cx="3302507" cy="369332"/>
+              </a:xfrm>
+              <a:prstGeom prst="rect">
+                <a:avLst/>
+              </a:prstGeom>
+              <a:noFill/>
+            </p:spPr>
+            <p:txBody>
+              <a:bodyPr wrap="none" rtlCol="0">
+                <a:spAutoFit/>
+              </a:bodyPr>
+              <a:lstStyle/>
+              <a:p>
+                <a:r>
+                  <a:rPr lang="zh-CN" altLang="en-US" dirty="0" smtClean="0"/>
+                  <a:t>请求全部交给服务器节点</a:t>
+                </a:r>
+                <a:r>
+                  <a:rPr lang="en-US" altLang="zh-CN" dirty="0"/>
+                  <a:t>2</a:t>
+                </a:r>
+                <a:r>
+                  <a:rPr lang="zh-CN" altLang="en-US" dirty="0" smtClean="0"/>
+                  <a:t>处理</a:t>
+                </a:r>
+                <a:endParaRPr lang="zh-CN" altLang="en-US" dirty="0"/>
+              </a:p>
+            </p:txBody>
+          </p:sp>
+        </p:grpSp>
+      </p:grpSp>
+    </p:spTree>
+    <p:extLst>
+      <p:ext uri="{BB962C8B-B14F-4D97-AF65-F5344CB8AC3E}">
+        <p14:creationId xmlns:p14="http://schemas.microsoft.com/office/powerpoint/2010/main" val="3157121032"/>
+      </p:ext>
+    </p:extLst>
+  </p:cSld>
+  <p:clrMapOvr>
+    <a:masterClrMapping/>
+  </p:clrMapOvr>
+</p:sld>
+</file>
+
+<file path=ppt/slides/slide6.xml><?xml version="1.0" encoding="utf-8"?>
+<p:sld xmlns:a="http://schemas.openxmlformats.org/drawingml/2006/main" xmlns:r="http://schemas.openxmlformats.org/officeDocument/2006/relationships" xmlns:p="http://schemas.openxmlformats.org/presentationml/2006/main">
+  <p:cSld>
+    <p:spTree>
+      <p:nvGrpSpPr>
+        <p:cNvPr id="1" name=""/>
+        <p:cNvGrpSpPr/>
+        <p:nvPr/>
+      </p:nvGrpSpPr>
+      <p:grpSpPr>
+        <a:xfrm>
+          <a:off x="0" y="0"/>
+          <a:ext cx="0" cy="0"/>
+          <a:chOff x="0" y="0"/>
+          <a:chExt cx="0" cy="0"/>
+        </a:xfrm>
+      </p:grpSpPr>
+      <p:grpSp>
+        <p:nvGrpSpPr>
+          <p:cNvPr id="48" name="组合 47"/>
+          <p:cNvGrpSpPr/>
+          <p:nvPr/>
+        </p:nvGrpSpPr>
+        <p:grpSpPr>
+          <a:xfrm>
+            <a:off x="764683" y="533400"/>
+            <a:ext cx="8379317" cy="5885166"/>
+            <a:chOff x="770049" y="413134"/>
+            <a:chExt cx="8379317" cy="5885166"/>
+          </a:xfrm>
+        </p:grpSpPr>
+        <p:grpSp>
+          <p:nvGrpSpPr>
+            <p:cNvPr id="21" name="组合 20"/>
+            <p:cNvGrpSpPr/>
+            <p:nvPr/>
+          </p:nvGrpSpPr>
+          <p:grpSpPr>
+            <a:xfrm>
+              <a:off x="5948966" y="888100"/>
+              <a:ext cx="3200400" cy="5410200"/>
+              <a:chOff x="5943600" y="888100"/>
+              <a:chExt cx="3200400" cy="5410200"/>
+            </a:xfrm>
+          </p:grpSpPr>
+          <p:sp>
+            <p:nvSpPr>
+              <p:cNvPr id="8" name="圆角矩形 7"/>
+              <p:cNvSpPr/>
+              <p:nvPr/>
+            </p:nvSpPr>
+            <p:spPr>
+              <a:xfrm>
+                <a:off x="6781800" y="1905000"/>
+                <a:ext cx="1600200" cy="609600"/>
+              </a:xfrm>
+              <a:prstGeom prst="roundRect">
+                <a:avLst/>
+              </a:prstGeom>
+              <a:solidFill>
+                <a:schemeClr val="accent1"/>
+              </a:solidFill>
+            </p:spPr>
+            <p:style>
+              <a:lnRef idx="2">
+                <a:schemeClr val="accent3">
+                  <a:shade val="50000"/>
+                </a:schemeClr>
+              </a:lnRef>
+              <a:fillRef idx="1">
+                <a:schemeClr val="accent3"/>
+              </a:fillRef>
+              <a:effectRef idx="0">
+                <a:schemeClr val="accent3"/>
+              </a:effectRef>
+              <a:fontRef idx="minor">
+                <a:schemeClr val="lt1"/>
+              </a:fontRef>
+            </p:style>
+            <p:txBody>
+              <a:bodyPr rtlCol="0" anchor="ctr"/>
+              <a:lstStyle/>
+              <a:p>
+                <a:pPr algn="ctr"/>
+                <a:r>
+                  <a:rPr lang="zh-CN" altLang="en-US" dirty="0" smtClean="0"/>
+                  <a:t>服务器节点</a:t>
+                </a:r>
+                <a:r>
+                  <a:rPr lang="en-US" altLang="zh-CN" dirty="0" smtClean="0"/>
+                  <a:t>1</a:t>
+                </a:r>
+                <a:endParaRPr lang="zh-CN" altLang="en-US" dirty="0"/>
+              </a:p>
+            </p:txBody>
+          </p:sp>
+          <p:sp>
+            <p:nvSpPr>
+              <p:cNvPr id="14" name="圆角矩形 13"/>
+              <p:cNvSpPr/>
+              <p:nvPr/>
+            </p:nvSpPr>
+            <p:spPr>
+              <a:xfrm>
+                <a:off x="6781800" y="4770544"/>
+                <a:ext cx="1600200" cy="609600"/>
+              </a:xfrm>
+              <a:prstGeom prst="roundRect">
+                <a:avLst/>
+              </a:prstGeom>
+              <a:solidFill>
+                <a:schemeClr val="accent1"/>
+              </a:solidFill>
+            </p:spPr>
+            <p:style>
+              <a:lnRef idx="2">
+                <a:schemeClr val="accent3">
+                  <a:shade val="50000"/>
+                </a:schemeClr>
+              </a:lnRef>
+              <a:fillRef idx="1">
+                <a:schemeClr val="accent3"/>
+              </a:fillRef>
+              <a:effectRef idx="0">
+                <a:schemeClr val="accent3"/>
+              </a:effectRef>
+              <a:fontRef idx="minor">
+                <a:schemeClr val="lt1"/>
+              </a:fontRef>
+            </p:style>
+            <p:txBody>
+              <a:bodyPr rtlCol="0" anchor="ctr"/>
+              <a:lstStyle/>
+              <a:p>
+                <a:pPr algn="ctr"/>
+                <a:r>
+                  <a:rPr lang="zh-CN" altLang="en-US" dirty="0" smtClean="0"/>
+                  <a:t>服务器节点</a:t>
+                </a:r>
+                <a:r>
+                  <a:rPr lang="en-US" altLang="zh-CN" dirty="0"/>
+                  <a:t>3</a:t>
+                </a:r>
+                <a:endParaRPr lang="zh-CN" altLang="en-US" dirty="0"/>
+              </a:p>
+            </p:txBody>
+          </p:sp>
+          <p:sp>
+            <p:nvSpPr>
+              <p:cNvPr id="15" name="圆角矩形 14"/>
+              <p:cNvSpPr/>
+              <p:nvPr/>
+            </p:nvSpPr>
+            <p:spPr>
+              <a:xfrm>
+                <a:off x="6781800" y="3337772"/>
+                <a:ext cx="1600200" cy="609600"/>
+              </a:xfrm>
+              <a:prstGeom prst="roundRect">
+                <a:avLst/>
+              </a:prstGeom>
+              <a:solidFill>
+                <a:schemeClr val="accent1"/>
+              </a:solidFill>
+            </p:spPr>
+            <p:style>
+              <a:lnRef idx="2">
+                <a:schemeClr val="accent3">
+                  <a:shade val="50000"/>
+                </a:schemeClr>
+              </a:lnRef>
+              <a:fillRef idx="1">
+                <a:schemeClr val="accent3"/>
+              </a:fillRef>
+              <a:effectRef idx="0">
+                <a:schemeClr val="accent3"/>
+              </a:effectRef>
+              <a:fontRef idx="minor">
+                <a:schemeClr val="lt1"/>
+              </a:fontRef>
+            </p:style>
+            <p:txBody>
+              <a:bodyPr rtlCol="0" anchor="ctr"/>
+              <a:lstStyle/>
+              <a:p>
+                <a:pPr algn="ctr"/>
+                <a:r>
+                  <a:rPr lang="zh-CN" altLang="en-US" dirty="0" smtClean="0"/>
+                  <a:t>服务器节点</a:t>
+                </a:r>
+                <a:r>
+                  <a:rPr lang="en-US" altLang="zh-CN" dirty="0"/>
+                  <a:t>2</a:t>
+                </a:r>
+                <a:endParaRPr lang="zh-CN" altLang="en-US" dirty="0"/>
+              </a:p>
+            </p:txBody>
+          </p:sp>
+          <p:sp>
+            <p:nvSpPr>
+              <p:cNvPr id="16" name="圆角矩形 15"/>
+              <p:cNvSpPr/>
+              <p:nvPr/>
+            </p:nvSpPr>
+            <p:spPr>
+              <a:xfrm>
+                <a:off x="5943600" y="888100"/>
+                <a:ext cx="3200400" cy="5410200"/>
+              </a:xfrm>
+              <a:prstGeom prst="roundRect">
+                <a:avLst/>
+              </a:prstGeom>
+              <a:solidFill>
+                <a:srgbClr val="1CF0BE">
+                  <a:alpha val="10196"/>
+                </a:srgbClr>
+              </a:solidFill>
+              <a:ln>
+                <a:noFill/>
+              </a:ln>
+            </p:spPr>
+            <p:style>
+              <a:lnRef idx="2">
+                <a:schemeClr val="accent1">
+                  <a:shade val="50000"/>
+                </a:schemeClr>
+              </a:lnRef>
+              <a:fillRef idx="1">
+                <a:schemeClr val="accent1"/>
+              </a:fillRef>
+              <a:effectRef idx="0">
+                <a:schemeClr val="accent1"/>
+              </a:effectRef>
+              <a:fontRef idx="minor">
+                <a:schemeClr val="lt1"/>
+              </a:fontRef>
+            </p:style>
+            <p:txBody>
+              <a:bodyPr rtlCol="0" anchor="ctr"/>
+              <a:lstStyle/>
+              <a:p>
+                <a:pPr algn="ctr"/>
+                <a:endParaRPr lang="zh-CN" altLang="en-US" dirty="0"/>
+              </a:p>
+            </p:txBody>
+          </p:sp>
+        </p:grpSp>
+        <p:grpSp>
+          <p:nvGrpSpPr>
+            <p:cNvPr id="47" name="组合 46"/>
+            <p:cNvGrpSpPr/>
+            <p:nvPr/>
+          </p:nvGrpSpPr>
+          <p:grpSpPr>
+            <a:xfrm>
+              <a:off x="770049" y="413134"/>
+              <a:ext cx="5759807" cy="5249276"/>
+              <a:chOff x="770049" y="413134"/>
+              <a:chExt cx="5759807" cy="5249276"/>
+            </a:xfrm>
+          </p:grpSpPr>
+          <p:cxnSp>
+            <p:nvCxnSpPr>
+              <p:cNvPr id="18" name="直接箭头连接符 17"/>
+              <p:cNvCxnSpPr/>
+              <p:nvPr/>
+            </p:nvCxnSpPr>
+            <p:spPr>
+              <a:xfrm>
+                <a:off x="2286000" y="685800"/>
+                <a:ext cx="914400" cy="914400"/>
+              </a:xfrm>
+              <a:prstGeom prst="straightConnector1">
+                <a:avLst/>
+              </a:prstGeom>
+              <a:ln w="19050">
+                <a:solidFill>
+                  <a:srgbClr val="FFFFFF"/>
+                </a:solidFill>
+                <a:tailEnd type="triangle"/>
+              </a:ln>
+            </p:spPr>
+            <p:style>
+              <a:lnRef idx="1">
+                <a:schemeClr val="accent1"/>
+              </a:lnRef>
+              <a:fillRef idx="0">
+                <a:schemeClr val="accent1"/>
+              </a:fillRef>
+              <a:effectRef idx="0">
+                <a:schemeClr val="accent1"/>
+              </a:effectRef>
+              <a:fontRef idx="minor">
+                <a:schemeClr val="tx1"/>
+              </a:fontRef>
+            </p:style>
+          </p:cxnSp>
+          <p:cxnSp>
+            <p:nvCxnSpPr>
+              <p:cNvPr id="25" name="直接箭头连接符 24"/>
+              <p:cNvCxnSpPr/>
+              <p:nvPr/>
+            </p:nvCxnSpPr>
+            <p:spPr>
+              <a:xfrm>
+                <a:off x="5074007" y="3490172"/>
+                <a:ext cx="1455849" cy="1562638"/>
+              </a:xfrm>
+              <a:prstGeom prst="straightConnector1">
+                <a:avLst/>
+              </a:prstGeom>
+              <a:ln w="38100">
+                <a:solidFill>
+                  <a:srgbClr val="FF0000"/>
+                </a:solidFill>
+                <a:tailEnd type="triangle"/>
+              </a:ln>
+            </p:spPr>
+            <p:style>
+              <a:lnRef idx="1">
+                <a:schemeClr val="accent1"/>
+              </a:lnRef>
+              <a:fillRef idx="0">
+                <a:schemeClr val="accent1"/>
+              </a:fillRef>
+              <a:effectRef idx="0">
+                <a:schemeClr val="accent1"/>
+              </a:effectRef>
+              <a:fontRef idx="minor">
+                <a:schemeClr val="tx1"/>
+              </a:fontRef>
+            </p:style>
+          </p:cxnSp>
+          <p:grpSp>
+            <p:nvGrpSpPr>
+              <p:cNvPr id="44" name="组合 43"/>
+              <p:cNvGrpSpPr/>
+              <p:nvPr/>
+            </p:nvGrpSpPr>
+            <p:grpSpPr>
+              <a:xfrm>
+                <a:off x="770049" y="1143000"/>
+                <a:ext cx="4114800" cy="4519410"/>
+                <a:chOff x="762000" y="1295400"/>
+                <a:chExt cx="4114800" cy="4519410"/>
+              </a:xfrm>
+            </p:grpSpPr>
+            <p:sp>
+              <p:nvSpPr>
+                <p:cNvPr id="2" name="圆角矩形 1"/>
+                <p:cNvSpPr/>
+                <p:nvPr/>
+              </p:nvSpPr>
+              <p:spPr>
+                <a:xfrm>
+                  <a:off x="762000" y="1295400"/>
+                  <a:ext cx="990600" cy="609600"/>
+                </a:xfrm>
+                <a:prstGeom prst="roundRect">
+                  <a:avLst/>
+                </a:prstGeom>
+              </p:spPr>
+              <p:style>
+                <a:lnRef idx="2">
+                  <a:schemeClr val="accent3">
+                    <a:shade val="50000"/>
+                  </a:schemeClr>
+                </a:lnRef>
+                <a:fillRef idx="1">
+                  <a:schemeClr val="accent3"/>
+                </a:fillRef>
+                <a:effectRef idx="0">
+                  <a:schemeClr val="accent3"/>
+                </a:effectRef>
+                <a:fontRef idx="minor">
+                  <a:schemeClr val="lt1"/>
+                </a:fontRef>
+              </p:style>
+              <p:txBody>
+                <a:bodyPr rtlCol="0" anchor="ctr"/>
+                <a:lstStyle/>
+                <a:p>
+                  <a:pPr algn="ctr"/>
+                  <a:r>
+                    <a:rPr lang="zh-CN" altLang="en-US" dirty="0" smtClean="0"/>
+                    <a:t>请求</a:t>
+                  </a:r>
+                  <a:endParaRPr lang="zh-CN" altLang="en-US" dirty="0"/>
+                </a:p>
+              </p:txBody>
+            </p:sp>
+            <p:sp>
+              <p:nvSpPr>
+                <p:cNvPr id="3" name="圆角矩形 2"/>
+                <p:cNvSpPr/>
+                <p:nvPr/>
+              </p:nvSpPr>
+              <p:spPr>
+                <a:xfrm>
+                  <a:off x="762000" y="4271491"/>
+                  <a:ext cx="990600" cy="609600"/>
+                </a:xfrm>
+                <a:prstGeom prst="roundRect">
+                  <a:avLst/>
+                </a:prstGeom>
+              </p:spPr>
+              <p:style>
+                <a:lnRef idx="2">
+                  <a:schemeClr val="accent3">
+                    <a:shade val="50000"/>
+                  </a:schemeClr>
+                </a:lnRef>
+                <a:fillRef idx="1">
+                  <a:schemeClr val="accent3"/>
+                </a:fillRef>
+                <a:effectRef idx="0">
+                  <a:schemeClr val="accent3"/>
+                </a:effectRef>
+                <a:fontRef idx="minor">
+                  <a:schemeClr val="lt1"/>
+                </a:fontRef>
+              </p:style>
+              <p:txBody>
+                <a:bodyPr rtlCol="0" anchor="ctr"/>
+                <a:lstStyle/>
+                <a:p>
+                  <a:pPr algn="ctr"/>
+                  <a:r>
+                    <a:rPr lang="zh-CN" altLang="en-US" dirty="0" smtClean="0"/>
+                    <a:t>请求</a:t>
+                  </a:r>
+                  <a:endParaRPr lang="zh-CN" altLang="en-US" dirty="0"/>
+                </a:p>
+              </p:txBody>
+            </p:sp>
+            <p:sp>
+              <p:nvSpPr>
+                <p:cNvPr id="4" name="圆角矩形 3"/>
+                <p:cNvSpPr/>
+                <p:nvPr/>
+              </p:nvSpPr>
+              <p:spPr>
+                <a:xfrm>
+                  <a:off x="762000" y="3337772"/>
+                  <a:ext cx="990600" cy="609600"/>
+                </a:xfrm>
+                <a:prstGeom prst="roundRect">
+                  <a:avLst/>
+                </a:prstGeom>
+              </p:spPr>
+              <p:style>
+                <a:lnRef idx="2">
+                  <a:schemeClr val="accent3">
+                    <a:shade val="50000"/>
+                  </a:schemeClr>
+                </a:lnRef>
+                <a:fillRef idx="1">
+                  <a:schemeClr val="accent3"/>
+                </a:fillRef>
+                <a:effectRef idx="0">
+                  <a:schemeClr val="accent3"/>
+                </a:effectRef>
+                <a:fontRef idx="minor">
+                  <a:schemeClr val="lt1"/>
+                </a:fontRef>
+              </p:style>
+              <p:txBody>
+                <a:bodyPr rtlCol="0" anchor="ctr"/>
+                <a:lstStyle/>
+                <a:p>
+                  <a:pPr algn="ctr"/>
+                  <a:r>
+                    <a:rPr lang="zh-CN" altLang="en-US" dirty="0" smtClean="0"/>
+                    <a:t>请求</a:t>
+                  </a:r>
+                  <a:endParaRPr lang="zh-CN" altLang="en-US" dirty="0"/>
+                </a:p>
+              </p:txBody>
+            </p:sp>
+            <p:sp>
+              <p:nvSpPr>
+                <p:cNvPr id="5" name="圆角矩形 4"/>
+                <p:cNvSpPr/>
+                <p:nvPr/>
+              </p:nvSpPr>
+              <p:spPr>
+                <a:xfrm>
+                  <a:off x="762000" y="2337515"/>
+                  <a:ext cx="990600" cy="609600"/>
+                </a:xfrm>
+                <a:prstGeom prst="roundRect">
+                  <a:avLst/>
+                </a:prstGeom>
+              </p:spPr>
+              <p:style>
+                <a:lnRef idx="2">
+                  <a:schemeClr val="accent3">
+                    <a:shade val="50000"/>
+                  </a:schemeClr>
+                </a:lnRef>
+                <a:fillRef idx="1">
+                  <a:schemeClr val="accent3"/>
+                </a:fillRef>
+                <a:effectRef idx="0">
+                  <a:schemeClr val="accent3"/>
+                </a:effectRef>
+                <a:fontRef idx="minor">
+                  <a:schemeClr val="lt1"/>
+                </a:fontRef>
+              </p:style>
+              <p:txBody>
+                <a:bodyPr rtlCol="0" anchor="ctr"/>
+                <a:lstStyle/>
+                <a:p>
+                  <a:pPr algn="ctr"/>
+                  <a:r>
+                    <a:rPr lang="zh-CN" altLang="en-US" dirty="0" smtClean="0"/>
+                    <a:t>请求</a:t>
+                  </a:r>
+                  <a:endParaRPr lang="zh-CN" altLang="en-US" dirty="0"/>
+                </a:p>
+              </p:txBody>
+            </p:sp>
+            <p:sp>
+              <p:nvSpPr>
+                <p:cNvPr id="6" name="圆角矩形 5"/>
+                <p:cNvSpPr/>
+                <p:nvPr/>
+              </p:nvSpPr>
+              <p:spPr>
+                <a:xfrm>
+                  <a:off x="762000" y="5205210"/>
+                  <a:ext cx="990600" cy="609600"/>
+                </a:xfrm>
+                <a:prstGeom prst="roundRect">
+                  <a:avLst/>
+                </a:prstGeom>
+              </p:spPr>
+              <p:style>
+                <a:lnRef idx="2">
+                  <a:schemeClr val="accent3">
+                    <a:shade val="50000"/>
+                  </a:schemeClr>
+                </a:lnRef>
+                <a:fillRef idx="1">
+                  <a:schemeClr val="accent3"/>
+                </a:fillRef>
+                <a:effectRef idx="0">
+                  <a:schemeClr val="accent3"/>
+                </a:effectRef>
+                <a:fontRef idx="minor">
+                  <a:schemeClr val="lt1"/>
+                </a:fontRef>
+              </p:style>
+              <p:txBody>
+                <a:bodyPr rtlCol="0" anchor="ctr"/>
+                <a:lstStyle/>
+                <a:p>
+                  <a:pPr algn="ctr"/>
+                  <a:r>
+                    <a:rPr lang="en-US" altLang="zh-CN" dirty="0" smtClean="0"/>
+                    <a:t>……</a:t>
+                  </a:r>
+                  <a:endParaRPr lang="zh-CN" altLang="en-US" dirty="0"/>
+                </a:p>
+              </p:txBody>
+            </p:sp>
+            <p:sp>
+              <p:nvSpPr>
+                <p:cNvPr id="7" name="圆角矩形 6"/>
+                <p:cNvSpPr/>
+                <p:nvPr/>
+              </p:nvSpPr>
+              <p:spPr>
+                <a:xfrm>
+                  <a:off x="3886200" y="3288400"/>
+                  <a:ext cx="990600" cy="609600"/>
+                </a:xfrm>
+                <a:prstGeom prst="roundRect">
+                  <a:avLst/>
+                </a:prstGeom>
+                <a:solidFill>
+                  <a:srgbClr val="FF0000"/>
+                </a:solidFill>
+              </p:spPr>
+              <p:style>
+                <a:lnRef idx="2">
+                  <a:schemeClr val="accent3">
+                    <a:shade val="50000"/>
+                  </a:schemeClr>
+                </a:lnRef>
+                <a:fillRef idx="1">
+                  <a:schemeClr val="accent3"/>
+                </a:fillRef>
+                <a:effectRef idx="0">
+                  <a:schemeClr val="accent3"/>
+                </a:effectRef>
+                <a:fontRef idx="minor">
+                  <a:schemeClr val="lt1"/>
+                </a:fontRef>
+              </p:style>
+              <p:txBody>
+                <a:bodyPr rtlCol="0" anchor="ctr"/>
+                <a:lstStyle/>
+                <a:p>
+                  <a:pPr algn="ctr"/>
+                  <a:r>
+                    <a:rPr lang="en-US" altLang="zh-CN" dirty="0" smtClean="0"/>
+                    <a:t>nginx</a:t>
+                  </a:r>
+                  <a:endParaRPr lang="zh-CN" altLang="en-US" dirty="0"/>
+                </a:p>
+              </p:txBody>
+            </p:sp>
+            <p:cxnSp>
+              <p:nvCxnSpPr>
+                <p:cNvPr id="26" name="直接箭头连接符 25"/>
+                <p:cNvCxnSpPr/>
+                <p:nvPr/>
+              </p:nvCxnSpPr>
+              <p:spPr>
+                <a:xfrm flipV="1">
+                  <a:off x="1902317" y="3947372"/>
+                  <a:ext cx="1870924" cy="1257838"/>
+                </a:xfrm>
+                <a:prstGeom prst="straightConnector1">
+                  <a:avLst/>
+                </a:prstGeom>
+                <a:ln w="28575">
+                  <a:tailEnd type="triangle"/>
+                </a:ln>
+              </p:spPr>
+              <p:style>
+                <a:lnRef idx="1">
+                  <a:schemeClr val="accent1"/>
+                </a:lnRef>
+                <a:fillRef idx="0">
+                  <a:schemeClr val="accent1"/>
+                </a:fillRef>
+                <a:effectRef idx="0">
+                  <a:schemeClr val="accent1"/>
+                </a:effectRef>
+                <a:fontRef idx="minor">
+                  <a:schemeClr val="tx1"/>
+                </a:fontRef>
+              </p:style>
+            </p:cxnSp>
+            <p:cxnSp>
+              <p:nvCxnSpPr>
+                <p:cNvPr id="27" name="直接箭头连接符 26"/>
+                <p:cNvCxnSpPr/>
+                <p:nvPr/>
+              </p:nvCxnSpPr>
+              <p:spPr>
+                <a:xfrm flipV="1">
+                  <a:off x="1941759" y="3898000"/>
+                  <a:ext cx="1697463" cy="678292"/>
+                </a:xfrm>
+                <a:prstGeom prst="straightConnector1">
+                  <a:avLst/>
+                </a:prstGeom>
+                <a:ln w="28575">
+                  <a:tailEnd type="triangle"/>
+                </a:ln>
+              </p:spPr>
+              <p:style>
+                <a:lnRef idx="1">
+                  <a:schemeClr val="accent1"/>
+                </a:lnRef>
+                <a:fillRef idx="0">
+                  <a:schemeClr val="accent1"/>
+                </a:fillRef>
+                <a:effectRef idx="0">
+                  <a:schemeClr val="accent1"/>
+                </a:effectRef>
+                <a:fontRef idx="minor">
+                  <a:schemeClr val="tx1"/>
+                </a:fontRef>
+              </p:style>
+            </p:cxnSp>
+            <p:cxnSp>
+              <p:nvCxnSpPr>
+                <p:cNvPr id="28" name="直接箭头连接符 27"/>
+                <p:cNvCxnSpPr/>
+                <p:nvPr/>
+              </p:nvCxnSpPr>
+              <p:spPr>
+                <a:xfrm>
+                  <a:off x="1922038" y="3642572"/>
+                  <a:ext cx="1575985" cy="0"/>
+                </a:xfrm>
+                <a:prstGeom prst="straightConnector1">
+                  <a:avLst/>
+                </a:prstGeom>
+                <a:ln w="28575">
+                  <a:tailEnd type="triangle"/>
+                </a:ln>
+              </p:spPr>
+              <p:style>
+                <a:lnRef idx="1">
+                  <a:schemeClr val="accent1"/>
+                </a:lnRef>
+                <a:fillRef idx="0">
+                  <a:schemeClr val="accent1"/>
+                </a:fillRef>
+                <a:effectRef idx="0">
+                  <a:schemeClr val="accent1"/>
+                </a:effectRef>
+                <a:fontRef idx="minor">
+                  <a:schemeClr val="tx1"/>
+                </a:fontRef>
+              </p:style>
+            </p:cxnSp>
+            <p:cxnSp>
+              <p:nvCxnSpPr>
+                <p:cNvPr id="29" name="直接箭头连接符 28"/>
+                <p:cNvCxnSpPr/>
+                <p:nvPr/>
+              </p:nvCxnSpPr>
+              <p:spPr>
+                <a:xfrm>
+                  <a:off x="1865559" y="2678800"/>
+                  <a:ext cx="1660704" cy="773800"/>
+                </a:xfrm>
+                <a:prstGeom prst="straightConnector1">
+                  <a:avLst/>
+                </a:prstGeom>
+                <a:ln w="28575">
+                  <a:tailEnd type="triangle"/>
+                </a:ln>
+              </p:spPr>
+              <p:style>
+                <a:lnRef idx="1">
+                  <a:schemeClr val="accent1"/>
+                </a:lnRef>
+                <a:fillRef idx="0">
+                  <a:schemeClr val="accent1"/>
+                </a:fillRef>
+                <a:effectRef idx="0">
+                  <a:schemeClr val="accent1"/>
+                </a:effectRef>
+                <a:fontRef idx="minor">
+                  <a:schemeClr val="tx1"/>
+                </a:fontRef>
+              </p:style>
+            </p:cxnSp>
+            <p:cxnSp>
+              <p:nvCxnSpPr>
+                <p:cNvPr id="30" name="直接箭头连接符 29"/>
+                <p:cNvCxnSpPr/>
+                <p:nvPr/>
+              </p:nvCxnSpPr>
+              <p:spPr>
+                <a:xfrm>
+                  <a:off x="1902317" y="1676400"/>
+                  <a:ext cx="1794725" cy="1612000"/>
+                </a:xfrm>
+                <a:prstGeom prst="straightConnector1">
+                  <a:avLst/>
+                </a:prstGeom>
+                <a:ln w="28575">
+                  <a:tailEnd type="triangle"/>
+                </a:ln>
+              </p:spPr>
+              <p:style>
+                <a:lnRef idx="1">
+                  <a:schemeClr val="accent1"/>
+                </a:lnRef>
+                <a:fillRef idx="0">
+                  <a:schemeClr val="accent1"/>
+                </a:fillRef>
+                <a:effectRef idx="0">
+                  <a:schemeClr val="accent1"/>
+                </a:effectRef>
+                <a:fontRef idx="minor">
+                  <a:schemeClr val="tx1"/>
+                </a:fontRef>
+              </p:style>
+            </p:cxnSp>
+          </p:grpSp>
+          <p:sp>
+            <p:nvSpPr>
+              <p:cNvPr id="46" name="文本框 45"/>
+              <p:cNvSpPr txBox="1"/>
+              <p:nvPr/>
+            </p:nvSpPr>
+            <p:spPr>
+              <a:xfrm>
+                <a:off x="2602053" y="413134"/>
+                <a:ext cx="3302507" cy="369332"/>
+              </a:xfrm>
+              <a:prstGeom prst="rect">
+                <a:avLst/>
+              </a:prstGeom>
+              <a:noFill/>
+            </p:spPr>
+            <p:txBody>
+              <a:bodyPr wrap="none" rtlCol="0">
+                <a:spAutoFit/>
+              </a:bodyPr>
+              <a:lstStyle/>
+              <a:p>
+                <a:r>
+                  <a:rPr lang="zh-CN" altLang="en-US" dirty="0" smtClean="0"/>
+                  <a:t>请求全部交给服务器节点</a:t>
+                </a:r>
+                <a:r>
+                  <a:rPr lang="en-US" altLang="zh-CN" dirty="0" smtClean="0"/>
+                  <a:t>3</a:t>
+                </a:r>
+                <a:r>
+                  <a:rPr lang="zh-CN" altLang="en-US" dirty="0" smtClean="0"/>
+                  <a:t>处理</a:t>
+                </a:r>
+                <a:endParaRPr lang="zh-CN" altLang="en-US" dirty="0"/>
+              </a:p>
+            </p:txBody>
+          </p:sp>
+        </p:grpSp>
+      </p:grpSp>
+    </p:spTree>
+    <p:extLst>
+      <p:ext uri="{BB962C8B-B14F-4D97-AF65-F5344CB8AC3E}">
+        <p14:creationId xmlns:p14="http://schemas.microsoft.com/office/powerpoint/2010/main" val="3723463250"/>
+      </p:ext>
+    </p:extLst>
+  </p:cSld>
+  <p:clrMapOvr>
+    <a:masterClrMapping/>
+  </p:clrMapOvr>
+</p:sld>
+</file>
+
 <file path=ppt/theme/theme1.xml><?xml version="1.0" encoding="utf-8"?>
 <a:theme xmlns:a="http://schemas.openxmlformats.org/drawingml/2006/main" name="Office Theme">
   <a:themeElements>
